--- a/a.mulyar/GW/Звіт/Муляр Андрій.pptx
+++ b/a.mulyar/GW/Звіт/Муляр Андрій.pptx
@@ -4,6 +4,9 @@
   <p:sldMasterIdLst>
     <p:sldMasterId id="2147483648" r:id="rId1"/>
   </p:sldMasterIdLst>
+  <p:notesMasterIdLst>
+    <p:notesMasterId r:id="rId9"/>
+  </p:notesMasterIdLst>
   <p:sldIdLst>
     <p:sldId id="256" r:id="rId2"/>
     <p:sldId id="257" r:id="rId3"/>
@@ -110,7 +113,362 @@
       </a:defRPr>
     </a:lvl9pPr>
   </p:defaultTextStyle>
+  <p:extLst>
+    <p:ext uri="{EFAFB233-063F-42B5-8137-9DF3F51BA10A}">
+      <p15:sldGuideLst xmlns:p15="http://schemas.microsoft.com/office/powerpoint/2012/main"/>
+    </p:ext>
+  </p:extLst>
 </p:presentation>
+</file>
+
+<file path=ppt/notesMasters/notesMaster1.xml><?xml version="1.0" encoding="utf-8"?>
+<p:notesMaster xmlns:a="http://schemas.openxmlformats.org/drawingml/2006/main" xmlns:r="http://schemas.openxmlformats.org/officeDocument/2006/relationships" xmlns:p="http://schemas.openxmlformats.org/presentationml/2006/main">
+  <p:cSld>
+    <p:bg>
+      <p:bgRef idx="1001">
+        <a:schemeClr val="bg1"/>
+      </p:bgRef>
+    </p:bg>
+    <p:spTree>
+      <p:nvGrpSpPr>
+        <p:cNvPr id="1" name=""/>
+        <p:cNvGrpSpPr/>
+        <p:nvPr/>
+      </p:nvGrpSpPr>
+      <p:grpSpPr>
+        <a:xfrm>
+          <a:off x="0" y="0"/>
+          <a:ext cx="0" cy="0"/>
+          <a:chOff x="0" y="0"/>
+          <a:chExt cx="0" cy="0"/>
+        </a:xfrm>
+      </p:grpSpPr>
+      <p:sp>
+        <p:nvSpPr>
+          <p:cNvPr id="2" name="Верхний колонтитул 1"/>
+          <p:cNvSpPr>
+            <a:spLocks noGrp="1"/>
+          </p:cNvSpPr>
+          <p:nvPr>
+            <p:ph type="hdr" sz="quarter"/>
+          </p:nvPr>
+        </p:nvSpPr>
+        <p:spPr>
+          <a:xfrm>
+            <a:off x="0" y="0"/>
+            <a:ext cx="2971800" cy="458788"/>
+          </a:xfrm>
+          <a:prstGeom prst="rect">
+            <a:avLst/>
+          </a:prstGeom>
+        </p:spPr>
+        <p:txBody>
+          <a:bodyPr vert="horz" lIns="91440" tIns="45720" rIns="91440" bIns="45720" rtlCol="0"/>
+          <a:lstStyle>
+            <a:lvl1pPr algn="l">
+              <a:defRPr sz="1200"/>
+            </a:lvl1pPr>
+          </a:lstStyle>
+          <a:p>
+            <a:endParaRPr lang="uk-UA"/>
+          </a:p>
+        </p:txBody>
+      </p:sp>
+      <p:sp>
+        <p:nvSpPr>
+          <p:cNvPr id="3" name="Дата 2"/>
+          <p:cNvSpPr>
+            <a:spLocks noGrp="1"/>
+          </p:cNvSpPr>
+          <p:nvPr>
+            <p:ph type="dt" idx="1"/>
+          </p:nvPr>
+        </p:nvSpPr>
+        <p:spPr>
+          <a:xfrm>
+            <a:off x="3884613" y="0"/>
+            <a:ext cx="2971800" cy="458788"/>
+          </a:xfrm>
+          <a:prstGeom prst="rect">
+            <a:avLst/>
+          </a:prstGeom>
+        </p:spPr>
+        <p:txBody>
+          <a:bodyPr vert="horz" lIns="91440" tIns="45720" rIns="91440" bIns="45720" rtlCol="0"/>
+          <a:lstStyle>
+            <a:lvl1pPr algn="r">
+              <a:defRPr sz="1200"/>
+            </a:lvl1pPr>
+          </a:lstStyle>
+          <a:p>
+            <a:fld id="{DC3E065F-D462-44C9-8159-375035355687}" type="datetimeFigureOut">
+              <a:rPr lang="uk-UA" smtClean="0"/>
+              <a:t>08.06.2020</a:t>
+            </a:fld>
+            <a:endParaRPr lang="uk-UA"/>
+          </a:p>
+        </p:txBody>
+      </p:sp>
+      <p:sp>
+        <p:nvSpPr>
+          <p:cNvPr id="4" name="Образ слайда 3"/>
+          <p:cNvSpPr>
+            <a:spLocks noGrp="1" noRot="1" noChangeAspect="1"/>
+          </p:cNvSpPr>
+          <p:nvPr>
+            <p:ph type="sldImg" idx="2"/>
+          </p:nvPr>
+        </p:nvSpPr>
+        <p:spPr>
+          <a:xfrm>
+            <a:off x="685800" y="1143000"/>
+            <a:ext cx="5486400" cy="3086100"/>
+          </a:xfrm>
+          <a:prstGeom prst="rect">
+            <a:avLst/>
+          </a:prstGeom>
+          <a:noFill/>
+          <a:ln w="12700">
+            <a:solidFill>
+              <a:prstClr val="black"/>
+            </a:solidFill>
+          </a:ln>
+        </p:spPr>
+        <p:txBody>
+          <a:bodyPr vert="horz" lIns="91440" tIns="45720" rIns="91440" bIns="45720" rtlCol="0" anchor="ctr"/>
+          <a:lstStyle/>
+          <a:p>
+            <a:endParaRPr lang="uk-UA"/>
+          </a:p>
+        </p:txBody>
+      </p:sp>
+      <p:sp>
+        <p:nvSpPr>
+          <p:cNvPr id="5" name="Заметки 4"/>
+          <p:cNvSpPr>
+            <a:spLocks noGrp="1"/>
+          </p:cNvSpPr>
+          <p:nvPr>
+            <p:ph type="body" sz="quarter" idx="3"/>
+          </p:nvPr>
+        </p:nvSpPr>
+        <p:spPr>
+          <a:xfrm>
+            <a:off x="685800" y="4400550"/>
+            <a:ext cx="5486400" cy="3600450"/>
+          </a:xfrm>
+          <a:prstGeom prst="rect">
+            <a:avLst/>
+          </a:prstGeom>
+        </p:spPr>
+        <p:txBody>
+          <a:bodyPr vert="horz" lIns="91440" tIns="45720" rIns="91440" bIns="45720" rtlCol="0"/>
+          <a:lstStyle/>
+          <a:p>
+            <a:pPr lvl="0"/>
+            <a:r>
+              <a:rPr lang="ru-RU" smtClean="0"/>
+              <a:t>Образец текста</a:t>
+            </a:r>
+          </a:p>
+          <a:p>
+            <a:pPr lvl="1"/>
+            <a:r>
+              <a:rPr lang="ru-RU" smtClean="0"/>
+              <a:t>Второй уровень</a:t>
+            </a:r>
+          </a:p>
+          <a:p>
+            <a:pPr lvl="2"/>
+            <a:r>
+              <a:rPr lang="ru-RU" smtClean="0"/>
+              <a:t>Третий уровень</a:t>
+            </a:r>
+          </a:p>
+          <a:p>
+            <a:pPr lvl="3"/>
+            <a:r>
+              <a:rPr lang="ru-RU" smtClean="0"/>
+              <a:t>Четвертый уровень</a:t>
+            </a:r>
+          </a:p>
+          <a:p>
+            <a:pPr lvl="4"/>
+            <a:r>
+              <a:rPr lang="ru-RU" smtClean="0"/>
+              <a:t>Пятый уровень</a:t>
+            </a:r>
+            <a:endParaRPr lang="uk-UA"/>
+          </a:p>
+        </p:txBody>
+      </p:sp>
+      <p:sp>
+        <p:nvSpPr>
+          <p:cNvPr id="6" name="Нижний колонтитул 5"/>
+          <p:cNvSpPr>
+            <a:spLocks noGrp="1"/>
+          </p:cNvSpPr>
+          <p:nvPr>
+            <p:ph type="ftr" sz="quarter" idx="4"/>
+          </p:nvPr>
+        </p:nvSpPr>
+        <p:spPr>
+          <a:xfrm>
+            <a:off x="0" y="8685213"/>
+            <a:ext cx="2971800" cy="458787"/>
+          </a:xfrm>
+          <a:prstGeom prst="rect">
+            <a:avLst/>
+          </a:prstGeom>
+        </p:spPr>
+        <p:txBody>
+          <a:bodyPr vert="horz" lIns="91440" tIns="45720" rIns="91440" bIns="45720" rtlCol="0" anchor="b"/>
+          <a:lstStyle>
+            <a:lvl1pPr algn="l">
+              <a:defRPr sz="1200"/>
+            </a:lvl1pPr>
+          </a:lstStyle>
+          <a:p>
+            <a:endParaRPr lang="uk-UA"/>
+          </a:p>
+        </p:txBody>
+      </p:sp>
+      <p:sp>
+        <p:nvSpPr>
+          <p:cNvPr id="7" name="Номер слайда 6"/>
+          <p:cNvSpPr>
+            <a:spLocks noGrp="1"/>
+          </p:cNvSpPr>
+          <p:nvPr>
+            <p:ph type="sldNum" sz="quarter" idx="5"/>
+          </p:nvPr>
+        </p:nvSpPr>
+        <p:spPr>
+          <a:xfrm>
+            <a:off x="3884613" y="8685213"/>
+            <a:ext cx="2971800" cy="458787"/>
+          </a:xfrm>
+          <a:prstGeom prst="rect">
+            <a:avLst/>
+          </a:prstGeom>
+        </p:spPr>
+        <p:txBody>
+          <a:bodyPr vert="horz" lIns="91440" tIns="45720" rIns="91440" bIns="45720" rtlCol="0" anchor="b"/>
+          <a:lstStyle>
+            <a:lvl1pPr algn="r">
+              <a:defRPr sz="1200"/>
+            </a:lvl1pPr>
+          </a:lstStyle>
+          <a:p>
+            <a:fld id="{ECBA5620-8A0F-4664-9165-1298647AB371}" type="slidenum">
+              <a:rPr lang="uk-UA" smtClean="0"/>
+              <a:t>‹#›</a:t>
+            </a:fld>
+            <a:endParaRPr lang="uk-UA"/>
+          </a:p>
+        </p:txBody>
+      </p:sp>
+    </p:spTree>
+    <p:extLst>
+      <p:ext uri="{BB962C8B-B14F-4D97-AF65-F5344CB8AC3E}">
+        <p14:creationId xmlns:p14="http://schemas.microsoft.com/office/powerpoint/2010/main" val="101707824"/>
+      </p:ext>
+    </p:extLst>
+  </p:cSld>
+  <p:clrMap bg1="lt1" tx1="dk1" bg2="lt2" tx2="dk2" accent1="accent1" accent2="accent2" accent3="accent3" accent4="accent4" accent5="accent5" accent6="accent6" hlink="hlink" folHlink="folHlink"/>
+  <p:notesStyle>
+    <a:lvl1pPr marL="0" algn="l" defTabSz="914400" rtl="0" eaLnBrk="1" latinLnBrk="0" hangingPunct="1">
+      <a:defRPr sz="1200" kern="1200">
+        <a:solidFill>
+          <a:schemeClr val="tx1"/>
+        </a:solidFill>
+        <a:latin typeface="+mn-lt"/>
+        <a:ea typeface="+mn-ea"/>
+        <a:cs typeface="+mn-cs"/>
+      </a:defRPr>
+    </a:lvl1pPr>
+    <a:lvl2pPr marL="457200" algn="l" defTabSz="914400" rtl="0" eaLnBrk="1" latinLnBrk="0" hangingPunct="1">
+      <a:defRPr sz="1200" kern="1200">
+        <a:solidFill>
+          <a:schemeClr val="tx1"/>
+        </a:solidFill>
+        <a:latin typeface="+mn-lt"/>
+        <a:ea typeface="+mn-ea"/>
+        <a:cs typeface="+mn-cs"/>
+      </a:defRPr>
+    </a:lvl2pPr>
+    <a:lvl3pPr marL="914400" algn="l" defTabSz="914400" rtl="0" eaLnBrk="1" latinLnBrk="0" hangingPunct="1">
+      <a:defRPr sz="1200" kern="1200">
+        <a:solidFill>
+          <a:schemeClr val="tx1"/>
+        </a:solidFill>
+        <a:latin typeface="+mn-lt"/>
+        <a:ea typeface="+mn-ea"/>
+        <a:cs typeface="+mn-cs"/>
+      </a:defRPr>
+    </a:lvl3pPr>
+    <a:lvl4pPr marL="1371600" algn="l" defTabSz="914400" rtl="0" eaLnBrk="1" latinLnBrk="0" hangingPunct="1">
+      <a:defRPr sz="1200" kern="1200">
+        <a:solidFill>
+          <a:schemeClr val="tx1"/>
+        </a:solidFill>
+        <a:latin typeface="+mn-lt"/>
+        <a:ea typeface="+mn-ea"/>
+        <a:cs typeface="+mn-cs"/>
+      </a:defRPr>
+    </a:lvl4pPr>
+    <a:lvl5pPr marL="1828800" algn="l" defTabSz="914400" rtl="0" eaLnBrk="1" latinLnBrk="0" hangingPunct="1">
+      <a:defRPr sz="1200" kern="1200">
+        <a:solidFill>
+          <a:schemeClr val="tx1"/>
+        </a:solidFill>
+        <a:latin typeface="+mn-lt"/>
+        <a:ea typeface="+mn-ea"/>
+        <a:cs typeface="+mn-cs"/>
+      </a:defRPr>
+    </a:lvl5pPr>
+    <a:lvl6pPr marL="2286000" algn="l" defTabSz="914400" rtl="0" eaLnBrk="1" latinLnBrk="0" hangingPunct="1">
+      <a:defRPr sz="1200" kern="1200">
+        <a:solidFill>
+          <a:schemeClr val="tx1"/>
+        </a:solidFill>
+        <a:latin typeface="+mn-lt"/>
+        <a:ea typeface="+mn-ea"/>
+        <a:cs typeface="+mn-cs"/>
+      </a:defRPr>
+    </a:lvl6pPr>
+    <a:lvl7pPr marL="2743200" algn="l" defTabSz="914400" rtl="0" eaLnBrk="1" latinLnBrk="0" hangingPunct="1">
+      <a:defRPr sz="1200" kern="1200">
+        <a:solidFill>
+          <a:schemeClr val="tx1"/>
+        </a:solidFill>
+        <a:latin typeface="+mn-lt"/>
+        <a:ea typeface="+mn-ea"/>
+        <a:cs typeface="+mn-cs"/>
+      </a:defRPr>
+    </a:lvl7pPr>
+    <a:lvl8pPr marL="3200400" algn="l" defTabSz="914400" rtl="0" eaLnBrk="1" latinLnBrk="0" hangingPunct="1">
+      <a:defRPr sz="1200" kern="1200">
+        <a:solidFill>
+          <a:schemeClr val="tx1"/>
+        </a:solidFill>
+        <a:latin typeface="+mn-lt"/>
+        <a:ea typeface="+mn-ea"/>
+        <a:cs typeface="+mn-cs"/>
+      </a:defRPr>
+    </a:lvl8pPr>
+    <a:lvl9pPr marL="3657600" algn="l" defTabSz="914400" rtl="0" eaLnBrk="1" latinLnBrk="0" hangingPunct="1">
+      <a:defRPr sz="1200" kern="1200">
+        <a:solidFill>
+          <a:schemeClr val="tx1"/>
+        </a:solidFill>
+        <a:latin typeface="+mn-lt"/>
+        <a:ea typeface="+mn-ea"/>
+        <a:cs typeface="+mn-cs"/>
+      </a:defRPr>
+    </a:lvl9pPr>
+  </p:notesStyle>
+</p:notesMaster>
 </file>
 
 <file path=ppt/slideLayouts/slideLayout1.xml><?xml version="1.0" encoding="utf-8"?>
@@ -242,9 +600,9 @@
           <a:bodyPr/>
           <a:lstStyle/>
           <a:p>
-            <a:fld id="{12429BCB-A25B-47A8-B51C-528321C3EEC8}" type="datetimeFigureOut">
+            <a:fld id="{338D9047-4A8A-4734-81E5-C4C951986618}" type="datetime1">
               <a:rPr lang="uk-UA" smtClean="0"/>
-              <a:t>05.06.2020</a:t>
+              <a:t>08.06.2020</a:t>
             </a:fld>
             <a:endParaRPr lang="uk-UA"/>
           </a:p>
@@ -412,9 +770,9 @@
           <a:bodyPr/>
           <a:lstStyle/>
           <a:p>
-            <a:fld id="{12429BCB-A25B-47A8-B51C-528321C3EEC8}" type="datetimeFigureOut">
+            <a:fld id="{3BE33081-6472-4D18-A732-0AA93E87E063}" type="datetime1">
               <a:rPr lang="uk-UA" smtClean="0"/>
-              <a:t>05.06.2020</a:t>
+              <a:t>08.06.2020</a:t>
             </a:fld>
             <a:endParaRPr lang="uk-UA"/>
           </a:p>
@@ -592,9 +950,9 @@
           <a:bodyPr/>
           <a:lstStyle/>
           <a:p>
-            <a:fld id="{12429BCB-A25B-47A8-B51C-528321C3EEC8}" type="datetimeFigureOut">
+            <a:fld id="{577B6C11-BCD0-422D-9BCF-D7479319CAA1}" type="datetime1">
               <a:rPr lang="uk-UA" smtClean="0"/>
-              <a:t>05.06.2020</a:t>
+              <a:t>08.06.2020</a:t>
             </a:fld>
             <a:endParaRPr lang="uk-UA"/>
           </a:p>
@@ -762,9 +1120,9 @@
           <a:bodyPr/>
           <a:lstStyle/>
           <a:p>
-            <a:fld id="{12429BCB-A25B-47A8-B51C-528321C3EEC8}" type="datetimeFigureOut">
+            <a:fld id="{7BC59A90-75B6-46F1-936B-91B140101212}" type="datetime1">
               <a:rPr lang="uk-UA" smtClean="0"/>
-              <a:t>05.06.2020</a:t>
+              <a:t>08.06.2020</a:t>
             </a:fld>
             <a:endParaRPr lang="uk-UA"/>
           </a:p>
@@ -1008,9 +1366,9 @@
           <a:bodyPr/>
           <a:lstStyle/>
           <a:p>
-            <a:fld id="{12429BCB-A25B-47A8-B51C-528321C3EEC8}" type="datetimeFigureOut">
+            <a:fld id="{9EAB8197-18A6-49CF-963F-415379034B43}" type="datetime1">
               <a:rPr lang="uk-UA" smtClean="0"/>
-              <a:t>05.06.2020</a:t>
+              <a:t>08.06.2020</a:t>
             </a:fld>
             <a:endParaRPr lang="uk-UA"/>
           </a:p>
@@ -1240,9 +1598,9 @@
           <a:bodyPr/>
           <a:lstStyle/>
           <a:p>
-            <a:fld id="{12429BCB-A25B-47A8-B51C-528321C3EEC8}" type="datetimeFigureOut">
+            <a:fld id="{EFEEAC2B-AF03-4FEA-B990-A96C347BEFD5}" type="datetime1">
               <a:rPr lang="uk-UA" smtClean="0"/>
-              <a:t>05.06.2020</a:t>
+              <a:t>08.06.2020</a:t>
             </a:fld>
             <a:endParaRPr lang="uk-UA"/>
           </a:p>
@@ -1607,9 +1965,9 @@
           <a:bodyPr/>
           <a:lstStyle/>
           <a:p>
-            <a:fld id="{12429BCB-A25B-47A8-B51C-528321C3EEC8}" type="datetimeFigureOut">
+            <a:fld id="{0FBDA615-9FA5-41BB-A9BA-A65B7A13C4E7}" type="datetime1">
               <a:rPr lang="uk-UA" smtClean="0"/>
-              <a:t>05.06.2020</a:t>
+              <a:t>08.06.2020</a:t>
             </a:fld>
             <a:endParaRPr lang="uk-UA"/>
           </a:p>
@@ -1725,9 +2083,9 @@
           <a:bodyPr/>
           <a:lstStyle/>
           <a:p>
-            <a:fld id="{12429BCB-A25B-47A8-B51C-528321C3EEC8}" type="datetimeFigureOut">
+            <a:fld id="{E34CE456-14E5-4E30-8959-7CE8335E7DAB}" type="datetime1">
               <a:rPr lang="uk-UA" smtClean="0"/>
-              <a:t>05.06.2020</a:t>
+              <a:t>08.06.2020</a:t>
             </a:fld>
             <a:endParaRPr lang="uk-UA"/>
           </a:p>
@@ -1820,9 +2178,9 @@
           <a:bodyPr/>
           <a:lstStyle/>
           <a:p>
-            <a:fld id="{12429BCB-A25B-47A8-B51C-528321C3EEC8}" type="datetimeFigureOut">
+            <a:fld id="{775F937A-C659-47A5-A250-C0F050EF3A33}" type="datetime1">
               <a:rPr lang="uk-UA" smtClean="0"/>
-              <a:t>05.06.2020</a:t>
+              <a:t>08.06.2020</a:t>
             </a:fld>
             <a:endParaRPr lang="uk-UA"/>
           </a:p>
@@ -2097,9 +2455,9 @@
           <a:bodyPr/>
           <a:lstStyle/>
           <a:p>
-            <a:fld id="{12429BCB-A25B-47A8-B51C-528321C3EEC8}" type="datetimeFigureOut">
+            <a:fld id="{C0F220CA-02F0-44CF-A373-D57B364AA807}" type="datetime1">
               <a:rPr lang="uk-UA" smtClean="0"/>
-              <a:t>05.06.2020</a:t>
+              <a:t>08.06.2020</a:t>
             </a:fld>
             <a:endParaRPr lang="uk-UA"/>
           </a:p>
@@ -2350,9 +2708,9 @@
           <a:bodyPr/>
           <a:lstStyle/>
           <a:p>
-            <a:fld id="{12429BCB-A25B-47A8-B51C-528321C3EEC8}" type="datetimeFigureOut">
+            <a:fld id="{63F8068F-C02E-4515-AA82-35E3F845D912}" type="datetime1">
               <a:rPr lang="uk-UA" smtClean="0"/>
-              <a:t>05.06.2020</a:t>
+              <a:t>08.06.2020</a:t>
             </a:fld>
             <a:endParaRPr lang="uk-UA"/>
           </a:p>
@@ -2563,9 +2921,9 @@
             </a:lvl1pPr>
           </a:lstStyle>
           <a:p>
-            <a:fld id="{12429BCB-A25B-47A8-B51C-528321C3EEC8}" type="datetimeFigureOut">
+            <a:fld id="{D92776A1-E91B-4B70-A4E4-AC2C55405A02}" type="datetime1">
               <a:rPr lang="uk-UA" smtClean="0"/>
-              <a:t>05.06.2020</a:t>
+              <a:t>08.06.2020</a:t>
             </a:fld>
             <a:endParaRPr lang="uk-UA"/>
           </a:p>
@@ -2670,6 +3028,7 @@
     <p:sldLayoutId id="2147483658" r:id="rId10"/>
     <p:sldLayoutId id="2147483659" r:id="rId11"/>
   </p:sldLayoutIdLst>
+  <p:hf hdr="0" ftr="0" dt="0"/>
   <p:txStyles>
     <p:titleStyle>
       <a:lvl1pPr algn="l" defTabSz="914400" rtl="0" eaLnBrk="1" latinLnBrk="0" hangingPunct="1">
@@ -3139,6 +3498,29 @@
           </a:p>
         </p:txBody>
       </p:sp>
+      <p:sp>
+        <p:nvSpPr>
+          <p:cNvPr id="4" name="Номер слайда 3"/>
+          <p:cNvSpPr>
+            <a:spLocks noGrp="1"/>
+          </p:cNvSpPr>
+          <p:nvPr>
+            <p:ph type="sldNum" sz="quarter" idx="12"/>
+          </p:nvPr>
+        </p:nvSpPr>
+        <p:spPr/>
+        <p:txBody>
+          <a:bodyPr/>
+          <a:lstStyle/>
+          <a:p>
+            <a:fld id="{86917A2C-01C2-4C17-8F51-05CBDAB5FD9D}" type="slidenum">
+              <a:rPr lang="uk-UA" smtClean="0"/>
+              <a:t>1</a:t>
+            </a:fld>
+            <a:endParaRPr lang="uk-UA"/>
+          </a:p>
+        </p:txBody>
+      </p:sp>
     </p:spTree>
     <p:extLst>
       <p:ext uri="{BB962C8B-B14F-4D97-AF65-F5344CB8AC3E}">
@@ -3226,8 +3608,19 @@
                 <a:latin typeface="Times New Roman" panose="02020603050405020304" pitchFamily="18" charset="0"/>
                 <a:cs typeface="Times New Roman" panose="02020603050405020304" pitchFamily="18" charset="0"/>
               </a:rPr>
-              <a:t>Причини дослідження</a:t>
-            </a:r>
+              <a:t>Причини </a:t>
+            </a:r>
+            <a:r>
+              <a:rPr lang="uk-UA" dirty="0" smtClean="0">
+                <a:latin typeface="Times New Roman" panose="02020603050405020304" pitchFamily="18" charset="0"/>
+                <a:cs typeface="Times New Roman" panose="02020603050405020304" pitchFamily="18" charset="0"/>
+              </a:rPr>
+              <a:t>дослідження даної теми</a:t>
+            </a:r>
+            <a:endParaRPr lang="uk-UA" dirty="0" smtClean="0">
+              <a:latin typeface="Times New Roman" panose="02020603050405020304" pitchFamily="18" charset="0"/>
+              <a:cs typeface="Times New Roman" panose="02020603050405020304" pitchFamily="18" charset="0"/>
+            </a:endParaRPr>
           </a:p>
           <a:p>
             <a:r>
@@ -3272,6 +3665,29 @@
               <a:latin typeface="Times New Roman" panose="02020603050405020304" pitchFamily="18" charset="0"/>
               <a:cs typeface="Times New Roman" panose="02020603050405020304" pitchFamily="18" charset="0"/>
             </a:endParaRPr>
+          </a:p>
+        </p:txBody>
+      </p:sp>
+      <p:sp>
+        <p:nvSpPr>
+          <p:cNvPr id="4" name="Номер слайда 3"/>
+          <p:cNvSpPr>
+            <a:spLocks noGrp="1"/>
+          </p:cNvSpPr>
+          <p:nvPr>
+            <p:ph type="sldNum" sz="quarter" idx="12"/>
+          </p:nvPr>
+        </p:nvSpPr>
+        <p:spPr/>
+        <p:txBody>
+          <a:bodyPr/>
+          <a:lstStyle/>
+          <a:p>
+            <a:fld id="{86917A2C-01C2-4C17-8F51-05CBDAB5FD9D}" type="slidenum">
+              <a:rPr lang="uk-UA" smtClean="0"/>
+              <a:t>2</a:t>
+            </a:fld>
+            <a:endParaRPr lang="uk-UA"/>
           </a:p>
         </p:txBody>
       </p:sp>
@@ -3333,7 +3749,14 @@
                 <a:latin typeface="Times New Roman" panose="02020603050405020304" pitchFamily="18" charset="0"/>
                 <a:cs typeface="Times New Roman" panose="02020603050405020304" pitchFamily="18" charset="0"/>
               </a:rPr>
-              <a:t>Причини дослідження</a:t>
+              <a:t>Причини </a:t>
+            </a:r>
+            <a:r>
+              <a:rPr lang="uk-UA" dirty="0" smtClean="0">
+                <a:latin typeface="Times New Roman" panose="02020603050405020304" pitchFamily="18" charset="0"/>
+                <a:cs typeface="Times New Roman" panose="02020603050405020304" pitchFamily="18" charset="0"/>
+              </a:rPr>
+              <a:t>дослідження даної теми</a:t>
             </a:r>
             <a:endParaRPr lang="uk-UA" dirty="0">
               <a:latin typeface="Times New Roman" panose="02020603050405020304" pitchFamily="18" charset="0"/>
@@ -3413,6 +3836,29 @@
               <a:latin typeface="Times New Roman" panose="02020603050405020304" pitchFamily="18" charset="0"/>
               <a:cs typeface="Times New Roman" panose="02020603050405020304" pitchFamily="18" charset="0"/>
             </a:endParaRPr>
+          </a:p>
+        </p:txBody>
+      </p:sp>
+      <p:sp>
+        <p:nvSpPr>
+          <p:cNvPr id="4" name="Номер слайда 3"/>
+          <p:cNvSpPr>
+            <a:spLocks noGrp="1"/>
+          </p:cNvSpPr>
+          <p:nvPr>
+            <p:ph type="sldNum" sz="quarter" idx="12"/>
+          </p:nvPr>
+        </p:nvSpPr>
+        <p:spPr/>
+        <p:txBody>
+          <a:bodyPr/>
+          <a:lstStyle/>
+          <a:p>
+            <a:fld id="{86917A2C-01C2-4C17-8F51-05CBDAB5FD9D}" type="slidenum">
+              <a:rPr lang="uk-UA" smtClean="0"/>
+              <a:t>3</a:t>
+            </a:fld>
+            <a:endParaRPr lang="uk-UA"/>
           </a:p>
         </p:txBody>
       </p:sp>
@@ -3565,6 +4011,29 @@
           </a:p>
         </p:txBody>
       </p:sp>
+      <p:sp>
+        <p:nvSpPr>
+          <p:cNvPr id="4" name="Номер слайда 3"/>
+          <p:cNvSpPr>
+            <a:spLocks noGrp="1"/>
+          </p:cNvSpPr>
+          <p:nvPr>
+            <p:ph type="sldNum" sz="quarter" idx="12"/>
+          </p:nvPr>
+        </p:nvSpPr>
+        <p:spPr/>
+        <p:txBody>
+          <a:bodyPr/>
+          <a:lstStyle/>
+          <a:p>
+            <a:fld id="{86917A2C-01C2-4C17-8F51-05CBDAB5FD9D}" type="slidenum">
+              <a:rPr lang="uk-UA" smtClean="0"/>
+              <a:t>4</a:t>
+            </a:fld>
+            <a:endParaRPr lang="uk-UA"/>
+          </a:p>
+        </p:txBody>
+      </p:sp>
     </p:spTree>
     <p:extLst>
       <p:ext uri="{BB962C8B-B14F-4D97-AF65-F5344CB8AC3E}">
@@ -3648,7 +4117,7 @@
           </p:nvPr>
         </p:nvPicPr>
         <p:blipFill>
-          <a:blip r:embed="rId3"/>
+          <a:blip r:embed="rId2"/>
           <a:stretch>
             <a:fillRect/>
           </a:stretch>
@@ -3672,7 +4141,7 @@
           <p:nvPr/>
         </p:nvPicPr>
         <p:blipFill>
-          <a:blip r:embed="rId4"/>
+          <a:blip r:embed="rId3"/>
           <a:stretch>
             <a:fillRect/>
           </a:stretch>
@@ -3687,6 +4156,29 @@
           </a:prstGeom>
         </p:spPr>
       </p:pic>
+      <p:sp>
+        <p:nvSpPr>
+          <p:cNvPr id="3" name="Номер слайда 2"/>
+          <p:cNvSpPr>
+            <a:spLocks noGrp="1"/>
+          </p:cNvSpPr>
+          <p:nvPr>
+            <p:ph type="sldNum" sz="quarter" idx="12"/>
+          </p:nvPr>
+        </p:nvSpPr>
+        <p:spPr/>
+        <p:txBody>
+          <a:bodyPr/>
+          <a:lstStyle/>
+          <a:p>
+            <a:fld id="{86917A2C-01C2-4C17-8F51-05CBDAB5FD9D}" type="slidenum">
+              <a:rPr lang="uk-UA" smtClean="0"/>
+              <a:t>5</a:t>
+            </a:fld>
+            <a:endParaRPr lang="uk-UA"/>
+          </a:p>
+        </p:txBody>
+      </p:sp>
     </p:spTree>
     <p:extLst>
       <p:ext uri="{BB962C8B-B14F-4D97-AF65-F5344CB8AC3E}">
@@ -3804,6 +4296,29 @@
           </a:prstGeom>
         </p:spPr>
       </p:pic>
+      <p:sp>
+        <p:nvSpPr>
+          <p:cNvPr id="3" name="Номер слайда 2"/>
+          <p:cNvSpPr>
+            <a:spLocks noGrp="1"/>
+          </p:cNvSpPr>
+          <p:nvPr>
+            <p:ph type="sldNum" sz="quarter" idx="12"/>
+          </p:nvPr>
+        </p:nvSpPr>
+        <p:spPr/>
+        <p:txBody>
+          <a:bodyPr/>
+          <a:lstStyle/>
+          <a:p>
+            <a:fld id="{86917A2C-01C2-4C17-8F51-05CBDAB5FD9D}" type="slidenum">
+              <a:rPr lang="uk-UA" smtClean="0"/>
+              <a:t>6</a:t>
+            </a:fld>
+            <a:endParaRPr lang="uk-UA"/>
+          </a:p>
+        </p:txBody>
+      </p:sp>
     </p:spTree>
     <p:extLst>
       <p:ext uri="{BB962C8B-B14F-4D97-AF65-F5344CB8AC3E}">
@@ -3940,28 +4455,79 @@
                 <a:latin typeface="Times New Roman" panose="02020603050405020304" pitchFamily="18" charset="0"/>
                 <a:cs typeface="Times New Roman" panose="02020603050405020304" pitchFamily="18" charset="0"/>
               </a:rPr>
-              <a:t>на порівняні спектрів гірчичного газу.</a:t>
-            </a:r>
-          </a:p>
-          <a:p>
+              <a:t>на порівняні спектрів гірчичного газу</a:t>
+            </a:r>
             <a:r>
               <a:rPr lang="uk-UA" dirty="0" smtClean="0">
                 <a:latin typeface="Times New Roman" panose="02020603050405020304" pitchFamily="18" charset="0"/>
                 <a:cs typeface="Times New Roman" panose="02020603050405020304" pitchFamily="18" charset="0"/>
               </a:rPr>
-              <a:t>Досліджено можливість детектування небезпечних речовин на </a:t>
-            </a:r>
-            <a:r>
-              <a:rPr lang="uk-UA" smtClean="0">
+              <a:t>.</a:t>
+            </a:r>
+          </a:p>
+          <a:p>
+            <a:endParaRPr lang="uk-UA" dirty="0" smtClean="0">
+              <a:latin typeface="Times New Roman" panose="02020603050405020304" pitchFamily="18" charset="0"/>
+              <a:cs typeface="Times New Roman" panose="02020603050405020304" pitchFamily="18" charset="0"/>
+            </a:endParaRPr>
+          </a:p>
+          <a:p>
+            <a:r>
+              <a:rPr lang="uk-UA" dirty="0" smtClean="0">
                 <a:latin typeface="Times New Roman" panose="02020603050405020304" pitchFamily="18" charset="0"/>
                 <a:cs typeface="Times New Roman" panose="02020603050405020304" pitchFamily="18" charset="0"/>
               </a:rPr>
-              <a:t>мішені Фосгену.</a:t>
+              <a:t>Досліджено можливість детектування небезпечних речовин на мішені Фосгену</a:t>
+            </a:r>
+            <a:r>
+              <a:rPr lang="uk-UA" dirty="0" smtClean="0">
+                <a:latin typeface="Times New Roman" panose="02020603050405020304" pitchFamily="18" charset="0"/>
+                <a:cs typeface="Times New Roman" panose="02020603050405020304" pitchFamily="18" charset="0"/>
+              </a:rPr>
+              <a:t>.</a:t>
+            </a:r>
+          </a:p>
+          <a:p>
+            <a:endParaRPr lang="uk-UA" dirty="0" smtClean="0">
+              <a:latin typeface="Times New Roman" panose="02020603050405020304" pitchFamily="18" charset="0"/>
+              <a:cs typeface="Times New Roman" panose="02020603050405020304" pitchFamily="18" charset="0"/>
+            </a:endParaRPr>
+          </a:p>
+          <a:p>
+            <a:r>
+              <a:rPr lang="uk-UA" dirty="0" smtClean="0">
+                <a:latin typeface="Times New Roman" panose="02020603050405020304" pitchFamily="18" charset="0"/>
+                <a:cs typeface="Times New Roman" panose="02020603050405020304" pitchFamily="18" charset="0"/>
+              </a:rPr>
+              <a:t>Зафіксовано негативний вплив захисту.</a:t>
             </a:r>
             <a:endParaRPr lang="uk-UA" dirty="0">
               <a:latin typeface="Times New Roman" panose="02020603050405020304" pitchFamily="18" charset="0"/>
               <a:cs typeface="Times New Roman" panose="02020603050405020304" pitchFamily="18" charset="0"/>
             </a:endParaRPr>
+          </a:p>
+        </p:txBody>
+      </p:sp>
+      <p:sp>
+        <p:nvSpPr>
+          <p:cNvPr id="4" name="Номер слайда 3"/>
+          <p:cNvSpPr>
+            <a:spLocks noGrp="1"/>
+          </p:cNvSpPr>
+          <p:nvPr>
+            <p:ph type="sldNum" sz="quarter" idx="12"/>
+          </p:nvPr>
+        </p:nvSpPr>
+        <p:spPr/>
+        <p:txBody>
+          <a:bodyPr/>
+          <a:lstStyle/>
+          <a:p>
+            <a:fld id="{86917A2C-01C2-4C17-8F51-05CBDAB5FD9D}" type="slidenum">
+              <a:rPr lang="uk-UA" smtClean="0"/>
+              <a:t>7</a:t>
+            </a:fld>
+            <a:endParaRPr lang="uk-UA"/>
           </a:p>
         </p:txBody>
       </p:sp>
@@ -4244,4 +4810,265 @@
     </a:ext>
   </a:extLst>
 </a:theme>
+</file>
+
+<file path=ppt/theme/theme2.xml><?xml version="1.0" encoding="utf-8"?>
+<a:theme xmlns:a="http://schemas.openxmlformats.org/drawingml/2006/main" name="Тема Office">
+  <a:themeElements>
+    <a:clrScheme name="Стандартная">
+      <a:dk1>
+        <a:sysClr val="windowText" lastClr="000000"/>
+      </a:dk1>
+      <a:lt1>
+        <a:sysClr val="window" lastClr="FFFFFF"/>
+      </a:lt1>
+      <a:dk2>
+        <a:srgbClr val="44546A"/>
+      </a:dk2>
+      <a:lt2>
+        <a:srgbClr val="E7E6E6"/>
+      </a:lt2>
+      <a:accent1>
+        <a:srgbClr val="5B9BD5"/>
+      </a:accent1>
+      <a:accent2>
+        <a:srgbClr val="ED7D31"/>
+      </a:accent2>
+      <a:accent3>
+        <a:srgbClr val="A5A5A5"/>
+      </a:accent3>
+      <a:accent4>
+        <a:srgbClr val="FFC000"/>
+      </a:accent4>
+      <a:accent5>
+        <a:srgbClr val="4472C4"/>
+      </a:accent5>
+      <a:accent6>
+        <a:srgbClr val="70AD47"/>
+      </a:accent6>
+      <a:hlink>
+        <a:srgbClr val="0563C1"/>
+      </a:hlink>
+      <a:folHlink>
+        <a:srgbClr val="954F72"/>
+      </a:folHlink>
+    </a:clrScheme>
+    <a:fontScheme name="Стандартная">
+      <a:majorFont>
+        <a:latin typeface="Calibri Light" panose="020F0302020204030204"/>
+        <a:ea typeface=""/>
+        <a:cs typeface=""/>
+        <a:font script="Jpan" typeface="游ゴシック Light"/>
+        <a:font script="Hang" typeface="맑은 고딕"/>
+        <a:font script="Hans" typeface="等线 Light"/>
+        <a:font script="Hant" typeface="新細明體"/>
+        <a:font script="Arab" typeface="Times New Roman"/>
+        <a:font script="Hebr" typeface="Times New Roman"/>
+        <a:font script="Thai" typeface="Angsana New"/>
+        <a:font script="Ethi" typeface="Nyala"/>
+        <a:font script="Beng" typeface="Vrinda"/>
+        <a:font script="Gujr" typeface="Shruti"/>
+        <a:font script="Khmr" typeface="MoolBoran"/>
+        <a:font script="Knda" typeface="Tunga"/>
+        <a:font script="Guru" typeface="Raavi"/>
+        <a:font script="Cans" typeface="Euphemia"/>
+        <a:font script="Cher" typeface="Plantagenet Cherokee"/>
+        <a:font script="Yiii" typeface="Microsoft Yi Baiti"/>
+        <a:font script="Tibt" typeface="Microsoft Himalaya"/>
+        <a:font script="Thaa" typeface="MV Boli"/>
+        <a:font script="Deva" typeface="Mangal"/>
+        <a:font script="Telu" typeface="Gautami"/>
+        <a:font script="Taml" typeface="Latha"/>
+        <a:font script="Syrc" typeface="Estrangelo Edessa"/>
+        <a:font script="Orya" typeface="Kalinga"/>
+        <a:font script="Mlym" typeface="Kartika"/>
+        <a:font script="Laoo" typeface="DokChampa"/>
+        <a:font script="Sinh" typeface="Iskoola Pota"/>
+        <a:font script="Mong" typeface="Mongolian Baiti"/>
+        <a:font script="Viet" typeface="Times New Roman"/>
+        <a:font script="Uigh" typeface="Microsoft Uighur"/>
+        <a:font script="Geor" typeface="Sylfaen"/>
+      </a:majorFont>
+      <a:minorFont>
+        <a:latin typeface="Calibri" panose="020F0502020204030204"/>
+        <a:ea typeface=""/>
+        <a:cs typeface=""/>
+        <a:font script="Jpan" typeface="游ゴシック"/>
+        <a:font script="Hang" typeface="맑은 고딕"/>
+        <a:font script="Hans" typeface="等线"/>
+        <a:font script="Hant" typeface="新細明體"/>
+        <a:font script="Arab" typeface="Arial"/>
+        <a:font script="Hebr" typeface="Arial"/>
+        <a:font script="Thai" typeface="Cordia New"/>
+        <a:font script="Ethi" typeface="Nyala"/>
+        <a:font script="Beng" typeface="Vrinda"/>
+        <a:font script="Gujr" typeface="Shruti"/>
+        <a:font script="Khmr" typeface="DaunPenh"/>
+        <a:font script="Knda" typeface="Tunga"/>
+        <a:font script="Guru" typeface="Raavi"/>
+        <a:font script="Cans" typeface="Euphemia"/>
+        <a:font script="Cher" typeface="Plantagenet Cherokee"/>
+        <a:font script="Yiii" typeface="Microsoft Yi Baiti"/>
+        <a:font script="Tibt" typeface="Microsoft Himalaya"/>
+        <a:font script="Thaa" typeface="MV Boli"/>
+        <a:font script="Deva" typeface="Mangal"/>
+        <a:font script="Telu" typeface="Gautami"/>
+        <a:font script="Taml" typeface="Latha"/>
+        <a:font script="Syrc" typeface="Estrangelo Edessa"/>
+        <a:font script="Orya" typeface="Kalinga"/>
+        <a:font script="Mlym" typeface="Kartika"/>
+        <a:font script="Laoo" typeface="DokChampa"/>
+        <a:font script="Sinh" typeface="Iskoola Pota"/>
+        <a:font script="Mong" typeface="Mongolian Baiti"/>
+        <a:font script="Viet" typeface="Arial"/>
+        <a:font script="Uigh" typeface="Microsoft Uighur"/>
+        <a:font script="Geor" typeface="Sylfaen"/>
+      </a:minorFont>
+    </a:fontScheme>
+    <a:fmtScheme name="Стандартная">
+      <a:fillStyleLst>
+        <a:solidFill>
+          <a:schemeClr val="phClr"/>
+        </a:solidFill>
+        <a:gradFill rotWithShape="1">
+          <a:gsLst>
+            <a:gs pos="0">
+              <a:schemeClr val="phClr">
+                <a:lumMod val="110000"/>
+                <a:satMod val="105000"/>
+                <a:tint val="67000"/>
+              </a:schemeClr>
+            </a:gs>
+            <a:gs pos="50000">
+              <a:schemeClr val="phClr">
+                <a:lumMod val="105000"/>
+                <a:satMod val="103000"/>
+                <a:tint val="73000"/>
+              </a:schemeClr>
+            </a:gs>
+            <a:gs pos="100000">
+              <a:schemeClr val="phClr">
+                <a:lumMod val="105000"/>
+                <a:satMod val="109000"/>
+                <a:tint val="81000"/>
+              </a:schemeClr>
+            </a:gs>
+          </a:gsLst>
+          <a:lin ang="5400000" scaled="0"/>
+        </a:gradFill>
+        <a:gradFill rotWithShape="1">
+          <a:gsLst>
+            <a:gs pos="0">
+              <a:schemeClr val="phClr">
+                <a:satMod val="103000"/>
+                <a:lumMod val="102000"/>
+                <a:tint val="94000"/>
+              </a:schemeClr>
+            </a:gs>
+            <a:gs pos="50000">
+              <a:schemeClr val="phClr">
+                <a:satMod val="110000"/>
+                <a:lumMod val="100000"/>
+                <a:shade val="100000"/>
+              </a:schemeClr>
+            </a:gs>
+            <a:gs pos="100000">
+              <a:schemeClr val="phClr">
+                <a:lumMod val="99000"/>
+                <a:satMod val="120000"/>
+                <a:shade val="78000"/>
+              </a:schemeClr>
+            </a:gs>
+          </a:gsLst>
+          <a:lin ang="5400000" scaled="0"/>
+        </a:gradFill>
+      </a:fillStyleLst>
+      <a:lnStyleLst>
+        <a:ln w="6350" cap="flat" cmpd="sng" algn="ctr">
+          <a:solidFill>
+            <a:schemeClr val="phClr"/>
+          </a:solidFill>
+          <a:prstDash val="solid"/>
+          <a:miter lim="800000"/>
+        </a:ln>
+        <a:ln w="12700" cap="flat" cmpd="sng" algn="ctr">
+          <a:solidFill>
+            <a:schemeClr val="phClr"/>
+          </a:solidFill>
+          <a:prstDash val="solid"/>
+          <a:miter lim="800000"/>
+        </a:ln>
+        <a:ln w="19050" cap="flat" cmpd="sng" algn="ctr">
+          <a:solidFill>
+            <a:schemeClr val="phClr"/>
+          </a:solidFill>
+          <a:prstDash val="solid"/>
+          <a:miter lim="800000"/>
+        </a:ln>
+      </a:lnStyleLst>
+      <a:effectStyleLst>
+        <a:effectStyle>
+          <a:effectLst/>
+        </a:effectStyle>
+        <a:effectStyle>
+          <a:effectLst/>
+        </a:effectStyle>
+        <a:effectStyle>
+          <a:effectLst>
+            <a:outerShdw blurRad="57150" dist="19050" dir="5400000" algn="ctr" rotWithShape="0">
+              <a:srgbClr val="000000">
+                <a:alpha val="63000"/>
+              </a:srgbClr>
+            </a:outerShdw>
+          </a:effectLst>
+        </a:effectStyle>
+      </a:effectStyleLst>
+      <a:bgFillStyleLst>
+        <a:solidFill>
+          <a:schemeClr val="phClr"/>
+        </a:solidFill>
+        <a:solidFill>
+          <a:schemeClr val="phClr">
+            <a:tint val="95000"/>
+            <a:satMod val="170000"/>
+          </a:schemeClr>
+        </a:solidFill>
+        <a:gradFill rotWithShape="1">
+          <a:gsLst>
+            <a:gs pos="0">
+              <a:schemeClr val="phClr">
+                <a:tint val="93000"/>
+                <a:satMod val="150000"/>
+                <a:shade val="98000"/>
+                <a:lumMod val="102000"/>
+              </a:schemeClr>
+            </a:gs>
+            <a:gs pos="50000">
+              <a:schemeClr val="phClr">
+                <a:tint val="98000"/>
+                <a:satMod val="130000"/>
+                <a:shade val="90000"/>
+                <a:lumMod val="103000"/>
+              </a:schemeClr>
+            </a:gs>
+            <a:gs pos="100000">
+              <a:schemeClr val="phClr">
+                <a:shade val="63000"/>
+                <a:satMod val="120000"/>
+              </a:schemeClr>
+            </a:gs>
+          </a:gsLst>
+          <a:lin ang="5400000" scaled="0"/>
+        </a:gradFill>
+      </a:bgFillStyleLst>
+    </a:fmtScheme>
+  </a:themeElements>
+  <a:objectDefaults/>
+  <a:extraClrSchemeLst/>
+  <a:extLst>
+    <a:ext uri="{05A4C25C-085E-4340-85A3-A5531E510DB2}">
+      <thm15:themeFamily xmlns:thm15="http://schemas.microsoft.com/office/thememl/2012/main" name="Office Theme" id="{62F939B6-93AF-4DB8-9C6B-D6C7DFDC589F}" vid="{4A3C46E8-61CC-4603-A589-7422A47A8E4A}"/>
+    </a:ext>
+  </a:extLst>
+</a:theme>
 </file>
--- a/a.mulyar/GW/Звіт/Муляр Андрій.pptx
+++ b/a.mulyar/GW/Звіт/Муляр Андрій.pptx
@@ -5,7 +5,7 @@
     <p:sldMasterId id="2147483648" r:id="rId1"/>
   </p:sldMasterIdLst>
   <p:notesMasterIdLst>
-    <p:notesMasterId r:id="rId9"/>
+    <p:notesMasterId r:id="rId12"/>
   </p:notesMasterIdLst>
   <p:sldIdLst>
     <p:sldId id="256" r:id="rId2"/>
@@ -14,7 +14,10 @@
     <p:sldId id="259" r:id="rId5"/>
     <p:sldId id="260" r:id="rId6"/>
     <p:sldId id="261" r:id="rId7"/>
-    <p:sldId id="262" r:id="rId8"/>
+    <p:sldId id="263" r:id="rId8"/>
+    <p:sldId id="264" r:id="rId9"/>
+    <p:sldId id="265" r:id="rId10"/>
+    <p:sldId id="262" r:id="rId11"/>
   </p:sldIdLst>
   <p:sldSz cx="12192000" cy="6858000"/>
   <p:notesSz cx="6858000" cy="9144000"/>
@@ -3541,6 +3544,218 @@
 </p:sld>
 </file>
 
+<file path=ppt/slides/slide10.xml><?xml version="1.0" encoding="utf-8"?>
+<p:sld xmlns:a="http://schemas.openxmlformats.org/drawingml/2006/main" xmlns:r="http://schemas.openxmlformats.org/officeDocument/2006/relationships" xmlns:p="http://schemas.openxmlformats.org/presentationml/2006/main">
+  <p:cSld>
+    <p:spTree>
+      <p:nvGrpSpPr>
+        <p:cNvPr id="1" name=""/>
+        <p:cNvGrpSpPr/>
+        <p:nvPr/>
+      </p:nvGrpSpPr>
+      <p:grpSpPr>
+        <a:xfrm>
+          <a:off x="0" y="0"/>
+          <a:ext cx="0" cy="0"/>
+          <a:chOff x="0" y="0"/>
+          <a:chExt cx="0" cy="0"/>
+        </a:xfrm>
+      </p:grpSpPr>
+      <p:sp>
+        <p:nvSpPr>
+          <p:cNvPr id="2" name="Заголовок 1"/>
+          <p:cNvSpPr>
+            <a:spLocks noGrp="1"/>
+          </p:cNvSpPr>
+          <p:nvPr>
+            <p:ph type="title"/>
+          </p:nvPr>
+        </p:nvSpPr>
+        <p:spPr/>
+        <p:txBody>
+          <a:bodyPr/>
+          <a:lstStyle/>
+          <a:p>
+            <a:pPr algn="ctr"/>
+            <a:r>
+              <a:rPr lang="uk-UA" dirty="0" smtClean="0">
+                <a:latin typeface="Times New Roman" panose="02020603050405020304" pitchFamily="18" charset="0"/>
+                <a:cs typeface="Times New Roman" panose="02020603050405020304" pitchFamily="18" charset="0"/>
+              </a:rPr>
+              <a:t>Висновок</a:t>
+            </a:r>
+            <a:endParaRPr lang="uk-UA" dirty="0">
+              <a:latin typeface="Times New Roman" panose="02020603050405020304" pitchFamily="18" charset="0"/>
+              <a:cs typeface="Times New Roman" panose="02020603050405020304" pitchFamily="18" charset="0"/>
+            </a:endParaRPr>
+          </a:p>
+        </p:txBody>
+      </p:sp>
+      <p:sp>
+        <p:nvSpPr>
+          <p:cNvPr id="3" name="Объект 2"/>
+          <p:cNvSpPr>
+            <a:spLocks noGrp="1"/>
+          </p:cNvSpPr>
+          <p:nvPr>
+            <p:ph idx="1"/>
+          </p:nvPr>
+        </p:nvSpPr>
+        <p:spPr/>
+        <p:txBody>
+          <a:bodyPr/>
+          <a:lstStyle/>
+          <a:p>
+            <a:r>
+              <a:rPr lang="uk-UA" dirty="0" smtClean="0">
+                <a:latin typeface="Times New Roman" panose="02020603050405020304" pitchFamily="18" charset="0"/>
+                <a:cs typeface="Times New Roman" panose="02020603050405020304" pitchFamily="18" charset="0"/>
+              </a:rPr>
+              <a:t>Змодельована експериментальна модель на </a:t>
+            </a:r>
+            <a:r>
+              <a:rPr lang="en-US" dirty="0" smtClean="0">
+                <a:latin typeface="Times New Roman" panose="02020603050405020304" pitchFamily="18" charset="0"/>
+                <a:cs typeface="Times New Roman" panose="02020603050405020304" pitchFamily="18" charset="0"/>
+              </a:rPr>
+              <a:t>Geant4</a:t>
+            </a:r>
+            <a:r>
+              <a:rPr lang="uk-UA" dirty="0" smtClean="0">
+                <a:latin typeface="Times New Roman" panose="02020603050405020304" pitchFamily="18" charset="0"/>
+                <a:cs typeface="Times New Roman" panose="02020603050405020304" pitchFamily="18" charset="0"/>
+              </a:rPr>
+              <a:t> пройшла успішну </a:t>
+            </a:r>
+            <a:r>
+              <a:rPr lang="uk-UA" dirty="0" err="1" smtClean="0">
+                <a:latin typeface="Times New Roman" panose="02020603050405020304" pitchFamily="18" charset="0"/>
+                <a:cs typeface="Times New Roman" panose="02020603050405020304" pitchFamily="18" charset="0"/>
+              </a:rPr>
+              <a:t>валідацію</a:t>
+            </a:r>
+            <a:r>
+              <a:rPr lang="uk-UA" dirty="0" smtClean="0">
+                <a:latin typeface="Times New Roman" panose="02020603050405020304" pitchFamily="18" charset="0"/>
+                <a:cs typeface="Times New Roman" panose="02020603050405020304" pitchFamily="18" charset="0"/>
+              </a:rPr>
+              <a:t> із проектом </a:t>
+            </a:r>
+            <a:r>
+              <a:rPr lang="en-US" dirty="0" smtClean="0">
+                <a:latin typeface="Times New Roman" panose="02020603050405020304" pitchFamily="18" charset="0"/>
+                <a:cs typeface="Times New Roman" panose="02020603050405020304" pitchFamily="18" charset="0"/>
+              </a:rPr>
+              <a:t>SABAT</a:t>
+            </a:r>
+            <a:r>
+              <a:rPr lang="uk-UA" dirty="0">
+                <a:latin typeface="Times New Roman" panose="02020603050405020304" pitchFamily="18" charset="0"/>
+                <a:cs typeface="Times New Roman" panose="02020603050405020304" pitchFamily="18" charset="0"/>
+              </a:rPr>
+              <a:t> </a:t>
+            </a:r>
+            <a:r>
+              <a:rPr lang="uk-UA" dirty="0" smtClean="0">
+                <a:latin typeface="Times New Roman" panose="02020603050405020304" pitchFamily="18" charset="0"/>
+                <a:cs typeface="Times New Roman" panose="02020603050405020304" pitchFamily="18" charset="0"/>
+              </a:rPr>
+              <a:t>на порівняні спектрів гірчичного газу.</a:t>
+            </a:r>
+          </a:p>
+          <a:p>
+            <a:endParaRPr lang="uk-UA" dirty="0" smtClean="0">
+              <a:latin typeface="Times New Roman" panose="02020603050405020304" pitchFamily="18" charset="0"/>
+              <a:cs typeface="Times New Roman" panose="02020603050405020304" pitchFamily="18" charset="0"/>
+            </a:endParaRPr>
+          </a:p>
+          <a:p>
+            <a:r>
+              <a:rPr lang="uk-UA" dirty="0" smtClean="0">
+                <a:latin typeface="Times New Roman" panose="02020603050405020304" pitchFamily="18" charset="0"/>
+                <a:cs typeface="Times New Roman" panose="02020603050405020304" pitchFamily="18" charset="0"/>
+              </a:rPr>
+              <a:t>Досліджено можливість детектування небезпечних речовин на </a:t>
+            </a:r>
+            <a:r>
+              <a:rPr lang="uk-UA" dirty="0" smtClean="0">
+                <a:latin typeface="Times New Roman" panose="02020603050405020304" pitchFamily="18" charset="0"/>
+                <a:cs typeface="Times New Roman" panose="02020603050405020304" pitchFamily="18" charset="0"/>
+              </a:rPr>
+              <a:t>експериментальній мішені </a:t>
+            </a:r>
+            <a:r>
+              <a:rPr lang="uk-UA" dirty="0" smtClean="0">
+                <a:latin typeface="Times New Roman" panose="02020603050405020304" pitchFamily="18" charset="0"/>
+                <a:cs typeface="Times New Roman" panose="02020603050405020304" pitchFamily="18" charset="0"/>
+              </a:rPr>
+              <a:t>Фосгену.</a:t>
+            </a:r>
+          </a:p>
+          <a:p>
+            <a:endParaRPr lang="uk-UA" dirty="0" smtClean="0">
+              <a:latin typeface="Times New Roman" panose="02020603050405020304" pitchFamily="18" charset="0"/>
+              <a:cs typeface="Times New Roman" panose="02020603050405020304" pitchFamily="18" charset="0"/>
+            </a:endParaRPr>
+          </a:p>
+          <a:p>
+            <a:r>
+              <a:rPr lang="uk-UA" dirty="0" smtClean="0">
+                <a:latin typeface="Times New Roman" panose="02020603050405020304" pitchFamily="18" charset="0"/>
+                <a:cs typeface="Times New Roman" panose="02020603050405020304" pitchFamily="18" charset="0"/>
+              </a:rPr>
+              <a:t>Зафіксовано негативний вплив захисту.</a:t>
+            </a:r>
+            <a:endParaRPr lang="uk-UA" dirty="0">
+              <a:latin typeface="Times New Roman" panose="02020603050405020304" pitchFamily="18" charset="0"/>
+              <a:cs typeface="Times New Roman" panose="02020603050405020304" pitchFamily="18" charset="0"/>
+            </a:endParaRPr>
+          </a:p>
+        </p:txBody>
+      </p:sp>
+      <p:sp>
+        <p:nvSpPr>
+          <p:cNvPr id="4" name="Номер слайда 3"/>
+          <p:cNvSpPr>
+            <a:spLocks noGrp="1"/>
+          </p:cNvSpPr>
+          <p:nvPr>
+            <p:ph type="sldNum" sz="quarter" idx="12"/>
+          </p:nvPr>
+        </p:nvSpPr>
+        <p:spPr/>
+        <p:txBody>
+          <a:bodyPr/>
+          <a:lstStyle/>
+          <a:p>
+            <a:fld id="{86917A2C-01C2-4C17-8F51-05CBDAB5FD9D}" type="slidenum">
+              <a:rPr lang="uk-UA" smtClean="0"/>
+              <a:t>10</a:t>
+            </a:fld>
+            <a:endParaRPr lang="uk-UA"/>
+          </a:p>
+        </p:txBody>
+      </p:sp>
+    </p:spTree>
+    <p:extLst>
+      <p:ext uri="{BB962C8B-B14F-4D97-AF65-F5344CB8AC3E}">
+        <p14:creationId xmlns:p14="http://schemas.microsoft.com/office/powerpoint/2010/main" val="4192818095"/>
+      </p:ext>
+    </p:extLst>
+  </p:cSld>
+  <p:clrMapOvr>
+    <a:masterClrMapping/>
+  </p:clrMapOvr>
+  <p:timing>
+    <p:tnLst>
+      <p:par>
+        <p:cTn id="1" dur="indefinite" restart="never" nodeType="tmRoot"/>
+      </p:par>
+    </p:tnLst>
+  </p:timing>
+</p:sld>
+</file>
+
 <file path=ppt/slides/slide2.xml><?xml version="1.0" encoding="utf-8"?>
 <p:sld xmlns:a="http://schemas.openxmlformats.org/drawingml/2006/main" xmlns:r="http://schemas.openxmlformats.org/officeDocument/2006/relationships" xmlns:p="http://schemas.openxmlformats.org/presentationml/2006/main">
   <p:cSld>
@@ -3608,19 +3823,8 @@
                 <a:latin typeface="Times New Roman" panose="02020603050405020304" pitchFamily="18" charset="0"/>
                 <a:cs typeface="Times New Roman" panose="02020603050405020304" pitchFamily="18" charset="0"/>
               </a:rPr>
-              <a:t>Причини </a:t>
-            </a:r>
-            <a:r>
-              <a:rPr lang="uk-UA" dirty="0" smtClean="0">
-                <a:latin typeface="Times New Roman" panose="02020603050405020304" pitchFamily="18" charset="0"/>
-                <a:cs typeface="Times New Roman" panose="02020603050405020304" pitchFamily="18" charset="0"/>
-              </a:rPr>
-              <a:t>дослідження даної теми</a:t>
-            </a:r>
-            <a:endParaRPr lang="uk-UA" dirty="0" smtClean="0">
-              <a:latin typeface="Times New Roman" panose="02020603050405020304" pitchFamily="18" charset="0"/>
-              <a:cs typeface="Times New Roman" panose="02020603050405020304" pitchFamily="18" charset="0"/>
-            </a:endParaRPr>
+              <a:t>Причини дослідження даної теми</a:t>
+            </a:r>
           </a:p>
           <a:p>
             <a:r>
@@ -3647,6 +3851,37 @@
                 <a:cs typeface="Times New Roman" panose="02020603050405020304" pitchFamily="18" charset="0"/>
               </a:rPr>
               <a:t>Валідація</a:t>
+            </a:r>
+            <a:endParaRPr lang="uk-UA" dirty="0" smtClean="0">
+              <a:latin typeface="Times New Roman" panose="02020603050405020304" pitchFamily="18" charset="0"/>
+              <a:cs typeface="Times New Roman" panose="02020603050405020304" pitchFamily="18" charset="0"/>
+            </a:endParaRPr>
+          </a:p>
+          <a:p>
+            <a:r>
+              <a:rPr lang="uk-UA" dirty="0" smtClean="0">
+                <a:latin typeface="Times New Roman" panose="02020603050405020304" pitchFamily="18" charset="0"/>
+                <a:cs typeface="Times New Roman" panose="02020603050405020304" pitchFamily="18" charset="0"/>
+              </a:rPr>
+              <a:t>Зразок реакції при ННА</a:t>
+            </a:r>
+          </a:p>
+          <a:p>
+            <a:r>
+              <a:rPr lang="uk-UA" dirty="0" smtClean="0">
+                <a:latin typeface="Times New Roman" panose="02020603050405020304" pitchFamily="18" charset="0"/>
+                <a:cs typeface="Times New Roman" panose="02020603050405020304" pitchFamily="18" charset="0"/>
+              </a:rPr>
+              <a:t>Детектування Фосгену сцинтилятором</a:t>
+            </a:r>
+          </a:p>
+          <a:p>
+            <a:r>
+              <a:rPr lang="uk-UA" dirty="0" smtClean="0">
+                <a:latin typeface="Times New Roman" panose="02020603050405020304" pitchFamily="18" charset="0"/>
+                <a:cs typeface="Times New Roman" panose="02020603050405020304" pitchFamily="18" charset="0"/>
+              </a:rPr>
+              <a:t>Детектування Фосгену напівпровідником</a:t>
             </a:r>
             <a:endParaRPr lang="uk-UA" dirty="0" smtClean="0">
               <a:latin typeface="Times New Roman" panose="02020603050405020304" pitchFamily="18" charset="0"/>
@@ -3749,14 +3984,7 @@
                 <a:latin typeface="Times New Roman" panose="02020603050405020304" pitchFamily="18" charset="0"/>
                 <a:cs typeface="Times New Roman" panose="02020603050405020304" pitchFamily="18" charset="0"/>
               </a:rPr>
-              <a:t>Причини </a:t>
-            </a:r>
-            <a:r>
-              <a:rPr lang="uk-UA" dirty="0" smtClean="0">
-                <a:latin typeface="Times New Roman" panose="02020603050405020304" pitchFamily="18" charset="0"/>
-                <a:cs typeface="Times New Roman" panose="02020603050405020304" pitchFamily="18" charset="0"/>
-              </a:rPr>
-              <a:t>дослідження даної теми</a:t>
+              <a:t>Причини дослідження даної теми</a:t>
             </a:r>
             <a:endParaRPr lang="uk-UA" dirty="0">
               <a:latin typeface="Times New Roman" panose="02020603050405020304" pitchFamily="18" charset="0"/>
@@ -4377,7 +4605,7 @@
                 <a:latin typeface="Times New Roman" panose="02020603050405020304" pitchFamily="18" charset="0"/>
                 <a:cs typeface="Times New Roman" panose="02020603050405020304" pitchFamily="18" charset="0"/>
               </a:rPr>
-              <a:t>Висновок</a:t>
+              <a:t>Зразок реакції при ННА</a:t>
             </a:r>
             <a:endParaRPr lang="uk-UA" dirty="0">
               <a:latin typeface="Times New Roman" panose="02020603050405020304" pitchFamily="18" charset="0"/>
@@ -4386,128 +4614,32 @@
           </a:p>
         </p:txBody>
       </p:sp>
-      <p:sp>
-        <p:nvSpPr>
-          <p:cNvPr id="3" name="Объект 2"/>
-          <p:cNvSpPr>
-            <a:spLocks noGrp="1"/>
-          </p:cNvSpPr>
+      <p:pic>
+        <p:nvPicPr>
+          <p:cNvPr id="5" name="Объект 4"/>
+          <p:cNvPicPr>
+            <a:picLocks noGrp="1" noChangeAspect="1"/>
+          </p:cNvPicPr>
           <p:nvPr>
             <p:ph idx="1"/>
           </p:nvPr>
-        </p:nvSpPr>
-        <p:spPr/>
-        <p:txBody>
-          <a:bodyPr/>
-          <a:lstStyle/>
-          <a:p>
-            <a:r>
-              <a:rPr lang="uk-UA" dirty="0" smtClean="0">
-                <a:latin typeface="Times New Roman" panose="02020603050405020304" pitchFamily="18" charset="0"/>
-                <a:cs typeface="Times New Roman" panose="02020603050405020304" pitchFamily="18" charset="0"/>
-              </a:rPr>
-              <a:t>Змодельована експериментальна модель на </a:t>
-            </a:r>
-            <a:r>
-              <a:rPr lang="en-US" dirty="0" smtClean="0">
-                <a:latin typeface="Times New Roman" panose="02020603050405020304" pitchFamily="18" charset="0"/>
-                <a:cs typeface="Times New Roman" panose="02020603050405020304" pitchFamily="18" charset="0"/>
-              </a:rPr>
-              <a:t>Geant4</a:t>
-            </a:r>
-            <a:r>
-              <a:rPr lang="uk-UA" dirty="0" smtClean="0">
-                <a:latin typeface="Times New Roman" panose="02020603050405020304" pitchFamily="18" charset="0"/>
-                <a:cs typeface="Times New Roman" panose="02020603050405020304" pitchFamily="18" charset="0"/>
-              </a:rPr>
-              <a:t> пройшла успішну </a:t>
-            </a:r>
-            <a:r>
-              <a:rPr lang="uk-UA" dirty="0" err="1" smtClean="0">
-                <a:latin typeface="Times New Roman" panose="02020603050405020304" pitchFamily="18" charset="0"/>
-                <a:cs typeface="Times New Roman" panose="02020603050405020304" pitchFamily="18" charset="0"/>
-              </a:rPr>
-              <a:t>валідацію</a:t>
-            </a:r>
-            <a:r>
-              <a:rPr lang="uk-UA" dirty="0" smtClean="0">
-                <a:latin typeface="Times New Roman" panose="02020603050405020304" pitchFamily="18" charset="0"/>
-                <a:cs typeface="Times New Roman" panose="02020603050405020304" pitchFamily="18" charset="0"/>
-              </a:rPr>
-              <a:t> із проектом </a:t>
-            </a:r>
-            <a:r>
-              <a:rPr lang="en-US" dirty="0" smtClean="0">
-                <a:latin typeface="Times New Roman" panose="02020603050405020304" pitchFamily="18" charset="0"/>
-                <a:cs typeface="Times New Roman" panose="02020603050405020304" pitchFamily="18" charset="0"/>
-              </a:rPr>
-              <a:t>SABAT</a:t>
-            </a:r>
-            <a:r>
-              <a:rPr lang="uk-UA" dirty="0">
-                <a:latin typeface="Times New Roman" panose="02020603050405020304" pitchFamily="18" charset="0"/>
-                <a:cs typeface="Times New Roman" panose="02020603050405020304" pitchFamily="18" charset="0"/>
-              </a:rPr>
-              <a:t> </a:t>
-            </a:r>
-            <a:r>
-              <a:rPr lang="uk-UA" dirty="0" smtClean="0">
-                <a:latin typeface="Times New Roman" panose="02020603050405020304" pitchFamily="18" charset="0"/>
-                <a:cs typeface="Times New Roman" panose="02020603050405020304" pitchFamily="18" charset="0"/>
-              </a:rPr>
-              <a:t>на порівняні спектрів гірчичного газу</a:t>
-            </a:r>
-            <a:r>
-              <a:rPr lang="uk-UA" dirty="0" smtClean="0">
-                <a:latin typeface="Times New Roman" panose="02020603050405020304" pitchFamily="18" charset="0"/>
-                <a:cs typeface="Times New Roman" panose="02020603050405020304" pitchFamily="18" charset="0"/>
-              </a:rPr>
-              <a:t>.</a:t>
-            </a:r>
-          </a:p>
-          <a:p>
-            <a:endParaRPr lang="uk-UA" dirty="0" smtClean="0">
-              <a:latin typeface="Times New Roman" panose="02020603050405020304" pitchFamily="18" charset="0"/>
-              <a:cs typeface="Times New Roman" panose="02020603050405020304" pitchFamily="18" charset="0"/>
-            </a:endParaRPr>
-          </a:p>
-          <a:p>
-            <a:r>
-              <a:rPr lang="uk-UA" dirty="0" smtClean="0">
-                <a:latin typeface="Times New Roman" panose="02020603050405020304" pitchFamily="18" charset="0"/>
-                <a:cs typeface="Times New Roman" panose="02020603050405020304" pitchFamily="18" charset="0"/>
-              </a:rPr>
-              <a:t>Досліджено можливість детектування небезпечних речовин на мішені Фосгену</a:t>
-            </a:r>
-            <a:r>
-              <a:rPr lang="uk-UA" dirty="0" smtClean="0">
-                <a:latin typeface="Times New Roman" panose="02020603050405020304" pitchFamily="18" charset="0"/>
-                <a:cs typeface="Times New Roman" panose="02020603050405020304" pitchFamily="18" charset="0"/>
-              </a:rPr>
-              <a:t>.</a:t>
-            </a:r>
-          </a:p>
-          <a:p>
-            <a:endParaRPr lang="uk-UA" dirty="0" smtClean="0">
-              <a:latin typeface="Times New Roman" panose="02020603050405020304" pitchFamily="18" charset="0"/>
-              <a:cs typeface="Times New Roman" panose="02020603050405020304" pitchFamily="18" charset="0"/>
-            </a:endParaRPr>
-          </a:p>
-          <a:p>
-            <a:r>
-              <a:rPr lang="uk-UA" dirty="0" smtClean="0">
-                <a:latin typeface="Times New Roman" panose="02020603050405020304" pitchFamily="18" charset="0"/>
-                <a:cs typeface="Times New Roman" panose="02020603050405020304" pitchFamily="18" charset="0"/>
-              </a:rPr>
-              <a:t>Зафіксовано негативний вплив захисту.</a:t>
-            </a:r>
-            <a:endParaRPr lang="uk-UA" dirty="0">
-              <a:latin typeface="Times New Roman" panose="02020603050405020304" pitchFamily="18" charset="0"/>
-              <a:cs typeface="Times New Roman" panose="02020603050405020304" pitchFamily="18" charset="0"/>
-            </a:endParaRPr>
-          </a:p>
-        </p:txBody>
-      </p:sp>
+        </p:nvPicPr>
+        <p:blipFill>
+          <a:blip r:embed="rId2"/>
+          <a:stretch>
+            <a:fillRect/>
+          </a:stretch>
+        </p:blipFill>
+        <p:spPr>
+          <a:xfrm>
+            <a:off x="1640563" y="1690688"/>
+            <a:ext cx="8910873" cy="4282170"/>
+          </a:xfrm>
+          <a:prstGeom prst="rect">
+            <a:avLst/>
+          </a:prstGeom>
+        </p:spPr>
+      </p:pic>
       <p:sp>
         <p:nvSpPr>
           <p:cNvPr id="4" name="Номер слайда 3"/>
@@ -4534,20 +4666,235 @@
     </p:spTree>
     <p:extLst>
       <p:ext uri="{BB962C8B-B14F-4D97-AF65-F5344CB8AC3E}">
-        <p14:creationId xmlns:p14="http://schemas.microsoft.com/office/powerpoint/2010/main" val="4192818095"/>
+        <p14:creationId xmlns:p14="http://schemas.microsoft.com/office/powerpoint/2010/main" val="1815463989"/>
       </p:ext>
     </p:extLst>
   </p:cSld>
   <p:clrMapOvr>
     <a:masterClrMapping/>
   </p:clrMapOvr>
-  <p:timing>
-    <p:tnLst>
-      <p:par>
-        <p:cTn id="1" dur="indefinite" restart="never" nodeType="tmRoot"/>
-      </p:par>
-    </p:tnLst>
-  </p:timing>
+</p:sld>
+</file>
+
+<file path=ppt/slides/slide8.xml><?xml version="1.0" encoding="utf-8"?>
+<p:sld xmlns:a="http://schemas.openxmlformats.org/drawingml/2006/main" xmlns:r="http://schemas.openxmlformats.org/officeDocument/2006/relationships" xmlns:p="http://schemas.openxmlformats.org/presentationml/2006/main">
+  <p:cSld>
+    <p:spTree>
+      <p:nvGrpSpPr>
+        <p:cNvPr id="1" name=""/>
+        <p:cNvGrpSpPr/>
+        <p:nvPr/>
+      </p:nvGrpSpPr>
+      <p:grpSpPr>
+        <a:xfrm>
+          <a:off x="0" y="0"/>
+          <a:ext cx="0" cy="0"/>
+          <a:chOff x="0" y="0"/>
+          <a:chExt cx="0" cy="0"/>
+        </a:xfrm>
+      </p:grpSpPr>
+      <p:sp>
+        <p:nvSpPr>
+          <p:cNvPr id="2" name="Заголовок 1"/>
+          <p:cNvSpPr>
+            <a:spLocks noGrp="1"/>
+          </p:cNvSpPr>
+          <p:nvPr>
+            <p:ph type="title"/>
+          </p:nvPr>
+        </p:nvSpPr>
+        <p:spPr/>
+        <p:txBody>
+          <a:bodyPr>
+            <a:normAutofit/>
+          </a:bodyPr>
+          <a:lstStyle/>
+          <a:p>
+            <a:pPr algn="ctr"/>
+            <a:r>
+              <a:rPr lang="uk-UA" sz="3600" dirty="0" smtClean="0">
+                <a:latin typeface="Times New Roman" panose="02020603050405020304" pitchFamily="18" charset="0"/>
+                <a:cs typeface="Times New Roman" panose="02020603050405020304" pitchFamily="18" charset="0"/>
+              </a:rPr>
+              <a:t>Детектування Фосгену сцинтиляційним детектором</a:t>
+            </a:r>
+            <a:endParaRPr lang="uk-UA" sz="3600" dirty="0">
+              <a:latin typeface="Times New Roman" panose="02020603050405020304" pitchFamily="18" charset="0"/>
+              <a:cs typeface="Times New Roman" panose="02020603050405020304" pitchFamily="18" charset="0"/>
+            </a:endParaRPr>
+          </a:p>
+        </p:txBody>
+      </p:sp>
+      <p:pic>
+        <p:nvPicPr>
+          <p:cNvPr id="5" name="Объект 4"/>
+          <p:cNvPicPr>
+            <a:picLocks noGrp="1" noChangeAspect="1"/>
+          </p:cNvPicPr>
+          <p:nvPr>
+            <p:ph idx="1"/>
+          </p:nvPr>
+        </p:nvPicPr>
+        <p:blipFill>
+          <a:blip r:embed="rId2"/>
+          <a:stretch>
+            <a:fillRect/>
+          </a:stretch>
+        </p:blipFill>
+        <p:spPr>
+          <a:xfrm>
+            <a:off x="838200" y="1690688"/>
+            <a:ext cx="10515600" cy="4665662"/>
+          </a:xfrm>
+          <a:prstGeom prst="rect">
+            <a:avLst/>
+          </a:prstGeom>
+        </p:spPr>
+      </p:pic>
+      <p:sp>
+        <p:nvSpPr>
+          <p:cNvPr id="4" name="Номер слайда 3"/>
+          <p:cNvSpPr>
+            <a:spLocks noGrp="1"/>
+          </p:cNvSpPr>
+          <p:nvPr>
+            <p:ph type="sldNum" sz="quarter" idx="12"/>
+          </p:nvPr>
+        </p:nvSpPr>
+        <p:spPr/>
+        <p:txBody>
+          <a:bodyPr/>
+          <a:lstStyle/>
+          <a:p>
+            <a:fld id="{86917A2C-01C2-4C17-8F51-05CBDAB5FD9D}" type="slidenum">
+              <a:rPr lang="uk-UA" smtClean="0"/>
+              <a:t>8</a:t>
+            </a:fld>
+            <a:endParaRPr lang="uk-UA"/>
+          </a:p>
+        </p:txBody>
+      </p:sp>
+    </p:spTree>
+    <p:extLst>
+      <p:ext uri="{BB962C8B-B14F-4D97-AF65-F5344CB8AC3E}">
+        <p14:creationId xmlns:p14="http://schemas.microsoft.com/office/powerpoint/2010/main" val="4082086084"/>
+      </p:ext>
+    </p:extLst>
+  </p:cSld>
+  <p:clrMapOvr>
+    <a:masterClrMapping/>
+  </p:clrMapOvr>
+</p:sld>
+</file>
+
+<file path=ppt/slides/slide9.xml><?xml version="1.0" encoding="utf-8"?>
+<p:sld xmlns:a="http://schemas.openxmlformats.org/drawingml/2006/main" xmlns:r="http://schemas.openxmlformats.org/officeDocument/2006/relationships" xmlns:p="http://schemas.openxmlformats.org/presentationml/2006/main">
+  <p:cSld>
+    <p:spTree>
+      <p:nvGrpSpPr>
+        <p:cNvPr id="1" name=""/>
+        <p:cNvGrpSpPr/>
+        <p:nvPr/>
+      </p:nvGrpSpPr>
+      <p:grpSpPr>
+        <a:xfrm>
+          <a:off x="0" y="0"/>
+          <a:ext cx="0" cy="0"/>
+          <a:chOff x="0" y="0"/>
+          <a:chExt cx="0" cy="0"/>
+        </a:xfrm>
+      </p:grpSpPr>
+      <p:sp>
+        <p:nvSpPr>
+          <p:cNvPr id="2" name="Заголовок 1"/>
+          <p:cNvSpPr>
+            <a:spLocks noGrp="1"/>
+          </p:cNvSpPr>
+          <p:nvPr>
+            <p:ph type="title"/>
+          </p:nvPr>
+        </p:nvSpPr>
+        <p:spPr/>
+        <p:txBody>
+          <a:bodyPr>
+            <a:normAutofit/>
+          </a:bodyPr>
+          <a:lstStyle/>
+          <a:p>
+            <a:pPr algn="ctr"/>
+            <a:r>
+              <a:rPr lang="uk-UA" sz="3200" dirty="0" smtClean="0">
+                <a:latin typeface="Times New Roman" panose="02020603050405020304" pitchFamily="18" charset="0"/>
+                <a:cs typeface="Times New Roman" panose="02020603050405020304" pitchFamily="18" charset="0"/>
+              </a:rPr>
+              <a:t>Детектування Фосгену напівпровідниковим детектором</a:t>
+            </a:r>
+            <a:endParaRPr lang="uk-UA" sz="3200" dirty="0">
+              <a:latin typeface="Times New Roman" panose="02020603050405020304" pitchFamily="18" charset="0"/>
+              <a:cs typeface="Times New Roman" panose="02020603050405020304" pitchFamily="18" charset="0"/>
+            </a:endParaRPr>
+          </a:p>
+        </p:txBody>
+      </p:sp>
+      <p:pic>
+        <p:nvPicPr>
+          <p:cNvPr id="5" name="Объект 4"/>
+          <p:cNvPicPr>
+            <a:picLocks noGrp="1" noChangeAspect="1"/>
+          </p:cNvPicPr>
+          <p:nvPr>
+            <p:ph idx="1"/>
+          </p:nvPr>
+        </p:nvPicPr>
+        <p:blipFill>
+          <a:blip r:embed="rId2"/>
+          <a:stretch>
+            <a:fillRect/>
+          </a:stretch>
+        </p:blipFill>
+        <p:spPr>
+          <a:xfrm>
+            <a:off x="838200" y="1690688"/>
+            <a:ext cx="10515600" cy="4665661"/>
+          </a:xfrm>
+          <a:prstGeom prst="rect">
+            <a:avLst/>
+          </a:prstGeom>
+        </p:spPr>
+      </p:pic>
+      <p:sp>
+        <p:nvSpPr>
+          <p:cNvPr id="4" name="Номер слайда 3"/>
+          <p:cNvSpPr>
+            <a:spLocks noGrp="1"/>
+          </p:cNvSpPr>
+          <p:nvPr>
+            <p:ph type="sldNum" sz="quarter" idx="12"/>
+          </p:nvPr>
+        </p:nvSpPr>
+        <p:spPr/>
+        <p:txBody>
+          <a:bodyPr/>
+          <a:lstStyle/>
+          <a:p>
+            <a:fld id="{86917A2C-01C2-4C17-8F51-05CBDAB5FD9D}" type="slidenum">
+              <a:rPr lang="uk-UA" smtClean="0"/>
+              <a:t>9</a:t>
+            </a:fld>
+            <a:endParaRPr lang="uk-UA"/>
+          </a:p>
+        </p:txBody>
+      </p:sp>
+    </p:spTree>
+    <p:extLst>
+      <p:ext uri="{BB962C8B-B14F-4D97-AF65-F5344CB8AC3E}">
+        <p14:creationId xmlns:p14="http://schemas.microsoft.com/office/powerpoint/2010/main" val="553204979"/>
+      </p:ext>
+    </p:extLst>
+  </p:cSld>
+  <p:clrMapOvr>
+    <a:masterClrMapping/>
+  </p:clrMapOvr>
 </p:sld>
 </file>
 

--- a/a.mulyar/GW/Звіт/Муляр Андрій.pptx
+++ b/a.mulyar/GW/Звіт/Муляр Андрій.pptx
@@ -8459,16 +8459,14 @@
                 <a:latin typeface="Times New Roman" panose="02020603050405020304" pitchFamily="18" charset="0"/>
                 <a:cs typeface="Times New Roman" panose="02020603050405020304" pitchFamily="18" charset="0"/>
               </a:rPr>
-              <a:t>Мета дослідження.</a:t>
-            </a:r>
-          </a:p>
-          <a:p>
+              <a:t>Етапи </a:t>
+            </a:r>
             <a:r>
               <a:rPr lang="uk-UA" sz="2400" dirty="0" smtClean="0">
                 <a:latin typeface="Times New Roman" panose="02020603050405020304" pitchFamily="18" charset="0"/>
                 <a:cs typeface="Times New Roman" panose="02020603050405020304" pitchFamily="18" charset="0"/>
               </a:rPr>
-              <a:t>Геометрія моделі.</a:t>
+              <a:t>дослідження.</a:t>
             </a:r>
           </a:p>
           <a:p>
@@ -8477,29 +8475,32 @@
                 <a:latin typeface="Times New Roman" panose="02020603050405020304" pitchFamily="18" charset="0"/>
                 <a:cs typeface="Times New Roman" panose="02020603050405020304" pitchFamily="18" charset="0"/>
               </a:rPr>
-              <a:t>Перевірка на коректність моделі (</a:t>
-            </a:r>
-            <a:r>
-              <a:rPr lang="uk-UA" sz="2400" dirty="0" err="1">
-                <a:latin typeface="Times New Roman" panose="02020603050405020304" pitchFamily="18" charset="0"/>
-                <a:cs typeface="Times New Roman" panose="02020603050405020304" pitchFamily="18" charset="0"/>
-              </a:rPr>
-              <a:t>В</a:t>
-            </a:r>
-            <a:r>
-              <a:rPr lang="uk-UA" sz="2400" dirty="0" err="1" smtClean="0">
-                <a:latin typeface="Times New Roman" panose="02020603050405020304" pitchFamily="18" charset="0"/>
-                <a:cs typeface="Times New Roman" panose="02020603050405020304" pitchFamily="18" charset="0"/>
-              </a:rPr>
-              <a:t>алідація</a:t>
-            </a:r>
+              <a:t>Опис геометрії моделювання.</a:t>
+            </a:r>
+            <a:endParaRPr lang="uk-UA" sz="2400" dirty="0" smtClean="0">
+              <a:latin typeface="Times New Roman" panose="02020603050405020304" pitchFamily="18" charset="0"/>
+              <a:cs typeface="Times New Roman" panose="02020603050405020304" pitchFamily="18" charset="0"/>
+            </a:endParaRPr>
+          </a:p>
+          <a:p>
             <a:r>
               <a:rPr lang="uk-UA" sz="2400" dirty="0" smtClean="0">
                 <a:latin typeface="Times New Roman" panose="02020603050405020304" pitchFamily="18" charset="0"/>
                 <a:cs typeface="Times New Roman" panose="02020603050405020304" pitchFamily="18" charset="0"/>
               </a:rPr>
-              <a:t>).</a:t>
-            </a:r>
+              <a:t>Перевірка </a:t>
+            </a:r>
+            <a:r>
+              <a:rPr lang="uk-UA" sz="2400" dirty="0" smtClean="0">
+                <a:latin typeface="Times New Roman" panose="02020603050405020304" pitchFamily="18" charset="0"/>
+                <a:cs typeface="Times New Roman" panose="02020603050405020304" pitchFamily="18" charset="0"/>
+              </a:rPr>
+              <a:t>коректності моделі.</a:t>
+            </a:r>
+            <a:endParaRPr lang="uk-UA" sz="2400" dirty="0" smtClean="0">
+              <a:latin typeface="Times New Roman" panose="02020603050405020304" pitchFamily="18" charset="0"/>
+              <a:cs typeface="Times New Roman" panose="02020603050405020304" pitchFamily="18" charset="0"/>
+            </a:endParaRPr>
           </a:p>
           <a:p>
             <a:r>
@@ -8509,10 +8510,6 @@
               </a:rPr>
               <a:t>Дослідження шкідливої речовини Фосгену</a:t>
             </a:r>
-            <a:endParaRPr lang="uk-UA" sz="2400" dirty="0" smtClean="0">
-              <a:latin typeface="Times New Roman" panose="02020603050405020304" pitchFamily="18" charset="0"/>
-              <a:cs typeface="Times New Roman" panose="02020603050405020304" pitchFamily="18" charset="0"/>
-            </a:endParaRPr>
           </a:p>
           <a:p>
             <a:r>
@@ -8520,7 +8517,7 @@
                 <a:latin typeface="Times New Roman" panose="02020603050405020304" pitchFamily="18" charset="0"/>
                 <a:cs typeface="Times New Roman" panose="02020603050405020304" pitchFamily="18" charset="0"/>
               </a:rPr>
-              <a:t>Висновок.</a:t>
+              <a:t>Висновки.</a:t>
             </a:r>
             <a:endParaRPr lang="uk-UA" sz="2400" dirty="0">
               <a:latin typeface="Times New Roman" panose="02020603050405020304" pitchFamily="18" charset="0"/>
@@ -8655,12 +8652,18 @@
         </p:nvSpPr>
         <p:spPr/>
         <p:txBody>
-          <a:bodyPr/>
+          <a:bodyPr>
+            <a:normAutofit/>
+          </a:bodyPr>
           <a:lstStyle/>
           <a:p>
             <a:r>
               <a:rPr lang="uk-UA" dirty="0" smtClean="0"/>
-              <a:t>Знайомство з літературою </a:t>
+              <a:t>Знайомство з </a:t>
+            </a:r>
+            <a:r>
+              <a:rPr lang="uk-UA" dirty="0" smtClean="0"/>
+              <a:t>методикою </a:t>
             </a:r>
             <a:r>
               <a:rPr lang="uk-UA" dirty="0" err="1" smtClean="0"/>
@@ -8668,15 +8671,19 @@
             </a:r>
             <a:r>
               <a:rPr lang="uk-UA" dirty="0" smtClean="0"/>
-              <a:t> – активаційного аналіз і </a:t>
-            </a:r>
-            <a:r>
-              <a:rPr lang="uk-UA" dirty="0" err="1" smtClean="0"/>
-              <a:t>фреймворком</a:t>
+              <a:t> – активаційного </a:t>
             </a:r>
             <a:r>
               <a:rPr lang="uk-UA" dirty="0" smtClean="0"/>
-              <a:t> </a:t>
+              <a:t>аналізу </a:t>
+            </a:r>
+            <a:r>
+              <a:rPr lang="uk-UA" dirty="0" smtClean="0"/>
+              <a:t>і </a:t>
+            </a:r>
+            <a:r>
+              <a:rPr lang="uk-UA" dirty="0" smtClean="0"/>
+              <a:t>програмним забезпеченням </a:t>
             </a:r>
             <a:r>
               <a:rPr lang="en-US" dirty="0" smtClean="0"/>
@@ -8690,29 +8697,64 @@
           <a:p>
             <a:r>
               <a:rPr lang="uk-UA" dirty="0" smtClean="0"/>
-              <a:t>Дослідження можливості ідентифікації  шкідливих речовин на морському дні за допомогою ННА.</a:t>
+              <a:t>Побудова моделі для пошуку шкідливих речовин із використанням методики ННА.</a:t>
             </a:r>
           </a:p>
           <a:p>
             <a:r>
               <a:rPr lang="uk-UA" dirty="0" smtClean="0"/>
-              <a:t>Моделювання моделі для підводного аналізу  використовуючи метод ННА.</a:t>
-            </a:r>
-          </a:p>
-          <a:p>
+              <a:t>Моделювання спектрів для 		</a:t>
+            </a:r>
+            <a:r>
+              <a:rPr lang="uk-UA" dirty="0"/>
+              <a:t> </a:t>
+            </a:r>
             <a:r>
               <a:rPr lang="uk-UA" dirty="0" smtClean="0"/>
-              <a:t>Провести перевірку  коректності моделі  на спектрі  гірчичного газу</a:t>
-            </a:r>
-          </a:p>
-          <a:p>
+              <a:t>        </a:t>
+            </a:r>
+            <a:r>
+              <a:rPr lang="uk-UA" dirty="0" smtClean="0"/>
+              <a:t>(</a:t>
+            </a:r>
+            <a:r>
+              <a:rPr lang="uk-UA" dirty="0"/>
+              <a:t>г</a:t>
+            </a:r>
+            <a:r>
+              <a:rPr lang="uk-UA" dirty="0" smtClean="0"/>
+              <a:t>ірчичного газу) та		     (Фосгену)</a:t>
+            </a:r>
+          </a:p>
+          <a:p>
+            <a:r>
+              <a:rPr lang="uk-UA" dirty="0" smtClean="0"/>
+              <a:t>Провести перевірку коректності для побудованої моделі.</a:t>
+            </a:r>
             <a:endParaRPr lang="uk-UA" dirty="0" smtClean="0"/>
           </a:p>
           <a:p>
             <a:r>
               <a:rPr lang="uk-UA" dirty="0" smtClean="0"/>
-              <a:t>Пошук можливості оптимізації моделі підводного аналізу.</a:t>
-            </a:r>
+              <a:t>Дослідження можливості </a:t>
+            </a:r>
+            <a:r>
+              <a:rPr lang="uk-UA" dirty="0" smtClean="0"/>
+              <a:t>детектування шкідливих </a:t>
+            </a:r>
+            <a:r>
+              <a:rPr lang="uk-UA" dirty="0" smtClean="0"/>
+              <a:t>речовин на морському дні за допомогою </a:t>
+            </a:r>
+            <a:r>
+              <a:rPr lang="uk-UA" dirty="0" smtClean="0"/>
+              <a:t>ННА</a:t>
+            </a:r>
+            <a:r>
+              <a:rPr lang="uk-UA" dirty="0"/>
+              <a:t>.</a:t>
+            </a:r>
+            <a:endParaRPr lang="uk-UA" dirty="0" smtClean="0"/>
           </a:p>
         </p:txBody>
       </p:sp>
@@ -8761,8 +8803,32 @@
         </p:blipFill>
         <p:spPr>
           <a:xfrm>
-            <a:off x="3024167" y="4525403"/>
-            <a:ext cx="1151208" cy="347680"/>
+            <a:off x="6168811" y="3526122"/>
+            <a:ext cx="1151208" cy="254139"/>
+          </a:xfrm>
+          <a:prstGeom prst="rect">
+            <a:avLst/>
+          </a:prstGeom>
+        </p:spPr>
+      </p:pic>
+      <p:pic>
+        <p:nvPicPr>
+          <p:cNvPr id="6" name="Рисунок 5"/>
+          <p:cNvPicPr>
+            <a:picLocks noChangeAspect="1"/>
+          </p:cNvPicPr>
+          <p:nvPr/>
+        </p:nvPicPr>
+        <p:blipFill>
+          <a:blip r:embed="rId3"/>
+          <a:stretch>
+            <a:fillRect/>
+          </a:stretch>
+        </p:blipFill>
+        <p:spPr>
+          <a:xfrm>
+            <a:off x="9673260" y="3526122"/>
+            <a:ext cx="808886" cy="254139"/>
           </a:xfrm>
           <a:prstGeom prst="rect">
             <a:avLst/>
@@ -8816,7 +8882,12 @@
             <p:ph type="title"/>
           </p:nvPr>
         </p:nvSpPr>
-        <p:spPr/>
+        <p:spPr>
+          <a:xfrm>
+            <a:off x="2592925" y="624110"/>
+            <a:ext cx="8911687" cy="910171"/>
+          </a:xfrm>
+        </p:spPr>
         <p:txBody>
           <a:bodyPr/>
           <a:lstStyle/>
@@ -8916,7 +8987,23 @@
                 <a:latin typeface="Times New Roman" panose="02020603050405020304" pitchFamily="18" charset="0"/>
                 <a:cs typeface="Times New Roman" panose="02020603050405020304" pitchFamily="18" charset="0"/>
               </a:rPr>
-              <a:t> установка.</a:t>
+              <a:t> </a:t>
+            </a:r>
+            <a:r>
+              <a:rPr lang="uk-UA" dirty="0" smtClean="0">
+                <a:latin typeface="Times New Roman" panose="02020603050405020304" pitchFamily="18" charset="0"/>
+                <a:cs typeface="Times New Roman" panose="02020603050405020304" pitchFamily="18" charset="0"/>
+              </a:rPr>
+              <a:t>установка, яка складається з чутливого об’єму детектора і слоїв захисту.</a:t>
+            </a:r>
+          </a:p>
+          <a:p>
+            <a:r>
+              <a:rPr lang="uk-UA" dirty="0" smtClean="0">
+                <a:latin typeface="Times New Roman" panose="02020603050405020304" pitchFamily="18" charset="0"/>
+                <a:cs typeface="Times New Roman" panose="02020603050405020304" pitchFamily="18" charset="0"/>
+              </a:rPr>
+              <a:t>Весь оточуючий простір є заповнений водою.</a:t>
             </a:r>
             <a:endParaRPr lang="uk-UA" dirty="0">
               <a:latin typeface="Times New Roman" panose="02020603050405020304" pitchFamily="18" charset="0"/>
@@ -9022,7 +9109,7 @@
         <p:spPr>
           <a:xfrm>
             <a:off x="838200" y="365125"/>
-            <a:ext cx="10515600" cy="1117987"/>
+            <a:ext cx="10515600" cy="968995"/>
           </a:xfrm>
         </p:spPr>
         <p:txBody>
@@ -9135,7 +9222,14 @@
                 <a:latin typeface="Times New Roman" panose="02020603050405020304" pitchFamily="18" charset="0"/>
                 <a:cs typeface="Times New Roman" panose="02020603050405020304" pitchFamily="18" charset="0"/>
               </a:rPr>
-              <a:t>см*6см), </a:t>
+              <a:t>см*6см</a:t>
+            </a:r>
+            <a:r>
+              <a:rPr lang="uk-UA" dirty="0" smtClean="0">
+                <a:latin typeface="Times New Roman" panose="02020603050405020304" pitchFamily="18" charset="0"/>
+                <a:cs typeface="Times New Roman" panose="02020603050405020304" pitchFamily="18" charset="0"/>
+              </a:rPr>
+              <a:t>) або </a:t>
             </a:r>
             <a:r>
               <a:rPr lang="en-US" dirty="0" err="1" smtClean="0">
@@ -9391,7 +9485,12 @@
             <p:ph type="title"/>
           </p:nvPr>
         </p:nvSpPr>
-        <p:spPr/>
+        <p:spPr>
+          <a:xfrm>
+            <a:off x="2035364" y="260451"/>
+            <a:ext cx="8911687" cy="892456"/>
+          </a:xfrm>
+        </p:spPr>
         <p:txBody>
           <a:bodyPr/>
           <a:lstStyle/>
@@ -9402,21 +9501,14 @@
                 <a:latin typeface="Times New Roman" panose="02020603050405020304" pitchFamily="18" charset="0"/>
                 <a:cs typeface="Times New Roman" panose="02020603050405020304" pitchFamily="18" charset="0"/>
               </a:rPr>
-              <a:t>Перевірка на коректність моделі (</a:t>
-            </a:r>
-            <a:r>
-              <a:rPr lang="uk-UA" dirty="0" err="1" smtClean="0">
-                <a:latin typeface="Times New Roman" panose="02020603050405020304" pitchFamily="18" charset="0"/>
-                <a:cs typeface="Times New Roman" panose="02020603050405020304" pitchFamily="18" charset="0"/>
-              </a:rPr>
-              <a:t>Валідація</a:t>
+              <a:t>Перевірка </a:t>
             </a:r>
             <a:r>
               <a:rPr lang="uk-UA" dirty="0" smtClean="0">
                 <a:latin typeface="Times New Roman" panose="02020603050405020304" pitchFamily="18" charset="0"/>
                 <a:cs typeface="Times New Roman" panose="02020603050405020304" pitchFamily="18" charset="0"/>
               </a:rPr>
-              <a:t>)</a:t>
+              <a:t>коректності моделі</a:t>
             </a:r>
             <a:endParaRPr lang="uk-UA" dirty="0">
               <a:latin typeface="Times New Roman" panose="02020603050405020304" pitchFamily="18" charset="0"/>
@@ -9437,20 +9529,45 @@
         </p:nvSpPr>
         <p:spPr>
           <a:xfrm>
-            <a:off x="7973122" y="1326836"/>
-            <a:ext cx="4081345" cy="5391150"/>
+            <a:off x="7549376" y="1326836"/>
+            <a:ext cx="4642624" cy="5391150"/>
           </a:xfrm>
         </p:spPr>
         <p:txBody>
-          <a:bodyPr/>
+          <a:bodyPr>
+            <a:normAutofit/>
+          </a:bodyPr>
           <a:lstStyle/>
           <a:p>
-            <a:endParaRPr lang="uk-UA" dirty="0" smtClean="0"/>
-          </a:p>
-          <a:p>
             <a:r>
               <a:rPr lang="uk-UA" dirty="0" smtClean="0"/>
-              <a:t>Перевірка коректності проводитися у подібних умовах з проектом </a:t>
+              <a:t>Змодельований спектр отримано за допомогою </a:t>
+            </a:r>
+            <a:r>
+              <a:rPr lang="en-US" dirty="0" err="1" smtClean="0"/>
+              <a:t>NaI</a:t>
+            </a:r>
+            <a:r>
+              <a:rPr lang="en-US" dirty="0" smtClean="0"/>
+              <a:t>(Tl)</a:t>
+            </a:r>
+            <a:r>
+              <a:rPr lang="uk-UA" dirty="0" smtClean="0"/>
+              <a:t> для гірчичного газу при опроміненні нейтронами з енергією 14.1 </a:t>
+            </a:r>
+            <a:r>
+              <a:rPr lang="uk-UA" dirty="0" err="1" smtClean="0"/>
+              <a:t>МеВ</a:t>
+            </a:r>
+            <a:r>
+              <a:rPr lang="uk-UA" dirty="0" smtClean="0"/>
+              <a:t>.</a:t>
+            </a:r>
+          </a:p>
+          <a:p>
+            <a:r>
+              <a:rPr lang="uk-UA" dirty="0" smtClean="0"/>
+              <a:t>Подібні умови використовувалися у проекті </a:t>
             </a:r>
             <a:r>
               <a:rPr lang="en-US" dirty="0" smtClean="0"/>
@@ -9458,27 +9575,25 @@
             </a:r>
             <a:r>
               <a:rPr lang="uk-UA" dirty="0" smtClean="0"/>
-              <a:t>. </a:t>
-            </a:r>
-          </a:p>
-          <a:p>
+              <a:t>, що чудово допомогло провести перевірку коректності промодельованої моделі на </a:t>
+            </a:r>
+            <a:r>
+              <a:rPr lang="en-US" dirty="0" smtClean="0"/>
+              <a:t>Geant4</a:t>
+            </a:r>
             <a:r>
               <a:rPr lang="uk-UA" dirty="0" smtClean="0"/>
-              <a:t>Змодельований спектр відповідає гірчичному газу при опроміненні 14.1 </a:t>
-            </a:r>
-            <a:r>
-              <a:rPr lang="uk-UA" dirty="0" err="1" smtClean="0"/>
-              <a:t>МеВ</a:t>
-            </a:r>
+              <a:t>.</a:t>
+            </a:r>
+          </a:p>
+          <a:p>
             <a:r>
               <a:rPr lang="uk-UA" dirty="0" smtClean="0"/>
-              <a:t> нейтронами.</a:t>
-            </a:r>
-          </a:p>
-          <a:p>
+              <a:t>Енергетичні </a:t>
+            </a:r>
             <a:r>
               <a:rPr lang="uk-UA" dirty="0" smtClean="0"/>
-              <a:t>Енергетичні піки по яким проводитися перевірка:</a:t>
+              <a:t>піки по яким проводитися перевірка:</a:t>
             </a:r>
           </a:p>
           <a:p>
@@ -9544,9 +9659,9 @@
             </a:r>
             <a:r>
               <a:rPr lang="uk-UA" dirty="0" smtClean="0"/>
-              <a:t>) – є чудово вираженими.</a:t>
-            </a:r>
-            <a:endParaRPr lang="en-US" dirty="0" smtClean="0"/>
+              <a:t>)</a:t>
+            </a:r>
+            <a:endParaRPr lang="uk-UA" dirty="0"/>
           </a:p>
           <a:p>
             <a:pPr>
@@ -9555,7 +9670,11 @@
             </a:pPr>
             <a:r>
               <a:rPr lang="en-US" dirty="0" smtClean="0"/>
-              <a:t>C (4.4</a:t>
+              <a:t>C </a:t>
+            </a:r>
+            <a:r>
+              <a:rPr lang="en-US" dirty="0" smtClean="0"/>
+              <a:t>(4.4</a:t>
             </a:r>
             <a:r>
               <a:rPr lang="uk-UA" dirty="0" err="1" smtClean="0"/>
@@ -9563,7 +9682,11 @@
             </a:r>
             <a:r>
               <a:rPr lang="uk-UA" dirty="0" smtClean="0"/>
-              <a:t>) – є переповнений фоном.</a:t>
+              <a:t>) – </a:t>
+            </a:r>
+            <a:r>
+              <a:rPr lang="uk-UA" dirty="0" smtClean="0"/>
+              <a:t>переповнений фоном</a:t>
             </a:r>
             <a:endParaRPr lang="en-US" dirty="0" smtClean="0"/>
           </a:p>
@@ -9584,6 +9707,8 @@
               <a:rPr lang="uk-UA" dirty="0" smtClean="0"/>
               <a:t>)</a:t>
             </a:r>
+          </a:p>
+          <a:p>
             <a:endParaRPr lang="uk-UA" dirty="0"/>
           </a:p>
         </p:txBody>
@@ -9628,7 +9753,7 @@
         <p:spPr>
           <a:xfrm>
             <a:off x="531812" y="1326836"/>
-            <a:ext cx="7441310" cy="5391150"/>
+            <a:ext cx="7017564" cy="5391150"/>
           </a:xfrm>
           <a:prstGeom prst="rect">
             <a:avLst/>
@@ -9764,14 +9889,14 @@
             <p:ph idx="1"/>
             <p:extLst>
               <p:ext uri="{D42A27DB-BD31-4B8C-83A1-F6EECF244321}">
-                <p14:modId xmlns:p14="http://schemas.microsoft.com/office/powerpoint/2010/main" val="1890487109"/>
+                <p14:modId xmlns:p14="http://schemas.microsoft.com/office/powerpoint/2010/main" val="4072191380"/>
               </p:ext>
             </p:extLst>
           </p:nvPr>
         </p:nvGraphicFramePr>
         <p:xfrm>
           <a:off x="211873" y="2075317"/>
-          <a:ext cx="4237463" cy="2595880"/>
+          <a:ext cx="4237463" cy="2225040"/>
         </p:xfrm>
         <a:graphic>
           <a:graphicData uri="http://schemas.openxmlformats.org/drawingml/2006/table">
@@ -10037,43 +10162,6 @@
                   </a:ext>
                 </a:extLst>
               </a:tr>
-              <a:tr h="370840">
-                <a:tc>
-                  <a:txBody>
-                    <a:bodyPr/>
-                    <a:lstStyle/>
-                    <a:p>
-                      <a:pPr algn="ctr"/>
-                      <a:r>
-                        <a:rPr lang="en-US" dirty="0" smtClean="0"/>
-                        <a:t>B</a:t>
-                      </a:r>
-                      <a:endParaRPr lang="uk-UA" dirty="0"/>
-                    </a:p>
-                  </a:txBody>
-                  <a:tcPr/>
-                </a:tc>
-                <a:tc>
-                  <a:txBody>
-                    <a:bodyPr/>
-                    <a:lstStyle/>
-                    <a:p>
-                      <a:pPr algn="ctr"/>
-                      <a:r>
-                        <a:rPr lang="uk-UA" dirty="0" smtClean="0"/>
-                        <a:t>1.248</a:t>
-                      </a:r>
-                      <a:endParaRPr lang="uk-UA" dirty="0"/>
-                    </a:p>
-                  </a:txBody>
-                  <a:tcPr/>
-                </a:tc>
-                <a:extLst>
-                  <a:ext uri="{0D108BD9-81ED-4DB2-BD59-A6C34878D82A}">
-                    <a16:rowId xmlns:a16="http://schemas.microsoft.com/office/drawing/2014/main" val="30054930"/>
-                  </a:ext>
-                </a:extLst>
-              </a:tr>
             </a:tbl>
           </a:graphicData>
         </a:graphic>
@@ -10156,14 +10244,14 @@
             <p:ph idx="1"/>
             <p:extLst>
               <p:ext uri="{D42A27DB-BD31-4B8C-83A1-F6EECF244321}">
-                <p14:modId xmlns:p14="http://schemas.microsoft.com/office/powerpoint/2010/main" val="1819447621"/>
+                <p14:modId xmlns:p14="http://schemas.microsoft.com/office/powerpoint/2010/main" val="2846733206"/>
               </p:ext>
             </p:extLst>
           </p:nvPr>
         </p:nvGraphicFramePr>
         <p:xfrm>
           <a:off x="8073483" y="2155825"/>
-          <a:ext cx="4118517" cy="2667000"/>
+          <a:ext cx="4118517" cy="3037840"/>
         </p:xfrm>
         <a:graphic>
           <a:graphicData uri="http://schemas.openxmlformats.org/drawingml/2006/table">
@@ -10392,6 +10480,47 @@
                   </a:ext>
                 </a:extLst>
               </a:tr>
+              <a:tr h="370840">
+                <a:tc>
+                  <a:txBody>
+                    <a:bodyPr/>
+                    <a:lstStyle/>
+                    <a:p>
+                      <a:pPr algn="ctr"/>
+                      <a:r>
+                        <a:rPr lang="en-US" dirty="0" smtClean="0"/>
+                        <a:t>H</a:t>
+                      </a:r>
+                      <a:endParaRPr lang="uk-UA" dirty="0"/>
+                    </a:p>
+                  </a:txBody>
+                  <a:tcPr/>
+                </a:tc>
+                <a:tc>
+                  <a:txBody>
+                    <a:bodyPr/>
+                    <a:lstStyle/>
+                    <a:p>
+                      <a:pPr algn="ctr"/>
+                      <a:r>
+                        <a:rPr lang="en-US" dirty="0" smtClean="0"/>
+                        <a:t>2</a:t>
+                      </a:r>
+                      <a:r>
+                        <a:rPr lang="uk-UA" dirty="0" smtClean="0"/>
+                        <a:t>.21</a:t>
+                      </a:r>
+                      <a:endParaRPr lang="uk-UA" dirty="0"/>
+                    </a:p>
+                  </a:txBody>
+                  <a:tcPr/>
+                </a:tc>
+                <a:extLst>
+                  <a:ext uri="{0D108BD9-81ED-4DB2-BD59-A6C34878D82A}">
+                    <a16:rowId xmlns:a16="http://schemas.microsoft.com/office/drawing/2014/main" val="1450876113"/>
+                  </a:ext>
+                </a:extLst>
+              </a:tr>
             </a:tbl>
           </a:graphicData>
         </a:graphic>
@@ -10570,27 +10699,66 @@
           </a:p>
           <a:p>
             <a:r>
+              <a:rPr lang="uk-UA" dirty="0">
+                <a:latin typeface="Times New Roman" panose="02020603050405020304" pitchFamily="18" charset="0"/>
+                <a:cs typeface="Times New Roman" panose="02020603050405020304" pitchFamily="18" charset="0"/>
+              </a:rPr>
+              <a:t>Проведено оптимізацію </a:t>
+            </a:r>
+            <a:r>
               <a:rPr lang="uk-UA" dirty="0" smtClean="0">
                 <a:latin typeface="Times New Roman" panose="02020603050405020304" pitchFamily="18" charset="0"/>
                 <a:cs typeface="Times New Roman" panose="02020603050405020304" pitchFamily="18" charset="0"/>
               </a:rPr>
-              <a:t>Змодельована модель для підводного аналізу використовуючи ННА.</a:t>
-            </a:r>
-          </a:p>
-          <a:p>
+              <a:t>коду </a:t>
+            </a:r>
+            <a:r>
+              <a:rPr lang="uk-UA" dirty="0">
+                <a:latin typeface="Times New Roman" panose="02020603050405020304" pitchFamily="18" charset="0"/>
+                <a:cs typeface="Times New Roman" panose="02020603050405020304" pitchFamily="18" charset="0"/>
+              </a:rPr>
+              <a:t>використовуючи </a:t>
+            </a:r>
+            <a:r>
+              <a:rPr lang="uk-UA" dirty="0" err="1">
+                <a:latin typeface="Times New Roman" panose="02020603050405020304" pitchFamily="18" charset="0"/>
+                <a:cs typeface="Times New Roman" panose="02020603050405020304" pitchFamily="18" charset="0"/>
+              </a:rPr>
+              <a:t>многопотоковість</a:t>
+            </a:r>
+            <a:r>
+              <a:rPr lang="uk-UA" dirty="0">
+                <a:latin typeface="Times New Roman" panose="02020603050405020304" pitchFamily="18" charset="0"/>
+                <a:cs typeface="Times New Roman" panose="02020603050405020304" pitchFamily="18" charset="0"/>
+              </a:rPr>
+              <a:t> </a:t>
+            </a:r>
+            <a:r>
+              <a:rPr lang="en-US" dirty="0">
+                <a:latin typeface="Times New Roman" panose="02020603050405020304" pitchFamily="18" charset="0"/>
+                <a:cs typeface="Times New Roman" panose="02020603050405020304" pitchFamily="18" charset="0"/>
+              </a:rPr>
+              <a:t>Geant4</a:t>
+            </a:r>
             <a:r>
               <a:rPr lang="uk-UA" dirty="0" smtClean="0">
                 <a:latin typeface="Times New Roman" panose="02020603050405020304" pitchFamily="18" charset="0"/>
                 <a:cs typeface="Times New Roman" panose="02020603050405020304" pitchFamily="18" charset="0"/>
               </a:rPr>
-              <a:t>Проведено оптимізацію коду при моделюванні використовуючи </a:t>
-            </a:r>
-            <a:r>
-              <a:rPr lang="uk-UA" dirty="0" err="1" smtClean="0">
+              <a:t> для прискорення моделювання у 2 рази.</a:t>
+            </a:r>
+            <a:endParaRPr lang="uk-UA" dirty="0" smtClean="0">
+              <a:latin typeface="Times New Roman" panose="02020603050405020304" pitchFamily="18" charset="0"/>
+              <a:cs typeface="Times New Roman" panose="02020603050405020304" pitchFamily="18" charset="0"/>
+            </a:endParaRPr>
+          </a:p>
+          <a:p>
+            <a:r>
+              <a:rPr lang="uk-UA" dirty="0" smtClean="0">
                 <a:latin typeface="Times New Roman" panose="02020603050405020304" pitchFamily="18" charset="0"/>
                 <a:cs typeface="Times New Roman" panose="02020603050405020304" pitchFamily="18" charset="0"/>
               </a:rPr>
-              <a:t>многопотоковість</a:t>
+              <a:t>Побудовано</a:t>
             </a:r>
             <a:r>
               <a:rPr lang="uk-UA" dirty="0" smtClean="0">
@@ -10600,11 +10768,73 @@
               <a:t> </a:t>
             </a:r>
             <a:r>
-              <a:rPr lang="en-US" dirty="0" smtClean="0">
+              <a:rPr lang="uk-UA" dirty="0" smtClean="0">
                 <a:latin typeface="Times New Roman" panose="02020603050405020304" pitchFamily="18" charset="0"/>
                 <a:cs typeface="Times New Roman" panose="02020603050405020304" pitchFamily="18" charset="0"/>
               </a:rPr>
-              <a:t>Geant4</a:t>
+              <a:t>модель </a:t>
+            </a:r>
+            <a:r>
+              <a:rPr lang="uk-UA" dirty="0" smtClean="0">
+                <a:latin typeface="Times New Roman" panose="02020603050405020304" pitchFamily="18" charset="0"/>
+                <a:cs typeface="Times New Roman" panose="02020603050405020304" pitchFamily="18" charset="0"/>
+              </a:rPr>
+              <a:t>для пошуку небезпечних речовин із використанням ННА.</a:t>
+            </a:r>
+            <a:endParaRPr lang="uk-UA" dirty="0" smtClean="0">
+              <a:latin typeface="Times New Roman" panose="02020603050405020304" pitchFamily="18" charset="0"/>
+              <a:cs typeface="Times New Roman" panose="02020603050405020304" pitchFamily="18" charset="0"/>
+            </a:endParaRPr>
+          </a:p>
+          <a:p>
+            <a:r>
+              <a:rPr lang="uk-UA" dirty="0" err="1">
+                <a:latin typeface="Times New Roman" panose="02020603050405020304" pitchFamily="18" charset="0"/>
+                <a:cs typeface="Times New Roman" panose="02020603050405020304" pitchFamily="18" charset="0"/>
+              </a:rPr>
+              <a:t>Змодельовано</a:t>
+            </a:r>
+            <a:r>
+              <a:rPr lang="uk-UA" dirty="0">
+                <a:latin typeface="Times New Roman" panose="02020603050405020304" pitchFamily="18" charset="0"/>
+                <a:cs typeface="Times New Roman" panose="02020603050405020304" pitchFamily="18" charset="0"/>
+              </a:rPr>
+              <a:t> спектри </a:t>
+            </a:r>
+            <a:r>
+              <a:rPr lang="uk-UA" dirty="0" smtClean="0">
+                <a:latin typeface="Times New Roman" panose="02020603050405020304" pitchFamily="18" charset="0"/>
+                <a:cs typeface="Times New Roman" panose="02020603050405020304" pitchFamily="18" charset="0"/>
+              </a:rPr>
+              <a:t>шкідливих речовин з використанням двох детекторів: </a:t>
+            </a:r>
+            <a:r>
+              <a:rPr lang="en-US" dirty="0" err="1">
+                <a:latin typeface="Times New Roman" panose="02020603050405020304" pitchFamily="18" charset="0"/>
+                <a:cs typeface="Times New Roman" panose="02020603050405020304" pitchFamily="18" charset="0"/>
+              </a:rPr>
+              <a:t>NaI</a:t>
+            </a:r>
+            <a:r>
+              <a:rPr lang="en-US" dirty="0">
+                <a:latin typeface="Times New Roman" panose="02020603050405020304" pitchFamily="18" charset="0"/>
+                <a:cs typeface="Times New Roman" panose="02020603050405020304" pitchFamily="18" charset="0"/>
+              </a:rPr>
+              <a:t> </a:t>
+            </a:r>
+            <a:r>
+              <a:rPr lang="uk-UA" dirty="0">
+                <a:latin typeface="Times New Roman" panose="02020603050405020304" pitchFamily="18" charset="0"/>
+                <a:cs typeface="Times New Roman" panose="02020603050405020304" pitchFamily="18" charset="0"/>
+              </a:rPr>
+              <a:t>і </a:t>
+            </a:r>
+            <a:r>
+              <a:rPr lang="en-US" dirty="0" err="1">
+                <a:latin typeface="Times New Roman" panose="02020603050405020304" pitchFamily="18" charset="0"/>
+                <a:cs typeface="Times New Roman" panose="02020603050405020304" pitchFamily="18" charset="0"/>
+              </a:rPr>
+              <a:t>HPGe</a:t>
             </a:r>
             <a:r>
               <a:rPr lang="uk-UA" dirty="0" smtClean="0">
@@ -10613,6 +10843,10 @@
               </a:rPr>
               <a:t>.</a:t>
             </a:r>
+            <a:endParaRPr lang="uk-UA" dirty="0" smtClean="0">
+              <a:latin typeface="Times New Roman" panose="02020603050405020304" pitchFamily="18" charset="0"/>
+              <a:cs typeface="Times New Roman" panose="02020603050405020304" pitchFamily="18" charset="0"/>
+            </a:endParaRPr>
           </a:p>
           <a:p>
             <a:r>
@@ -10620,68 +10854,62 @@
                 <a:latin typeface="Times New Roman" panose="02020603050405020304" pitchFamily="18" charset="0"/>
                 <a:cs typeface="Times New Roman" panose="02020603050405020304" pitchFamily="18" charset="0"/>
               </a:rPr>
-              <a:t>Проведено перевірку коректності моделі.</a:t>
-            </a:r>
-          </a:p>
-          <a:p>
-            <a:r>
-              <a:rPr lang="uk-UA" dirty="0" err="1" smtClean="0">
-                <a:latin typeface="Times New Roman" panose="02020603050405020304" pitchFamily="18" charset="0"/>
-                <a:cs typeface="Times New Roman" panose="02020603050405020304" pitchFamily="18" charset="0"/>
-              </a:rPr>
-              <a:t>Змодельовано</a:t>
+              <a:t>Проведено </a:t>
             </a:r>
             <a:r>
               <a:rPr lang="uk-UA" dirty="0" smtClean="0">
                 <a:latin typeface="Times New Roman" panose="02020603050405020304" pitchFamily="18" charset="0"/>
                 <a:cs typeface="Times New Roman" panose="02020603050405020304" pitchFamily="18" charset="0"/>
               </a:rPr>
-              <a:t> спектри використовуючи два детектори: </a:t>
-            </a:r>
-            <a:r>
-              <a:rPr lang="en-US" dirty="0" err="1" smtClean="0">
-                <a:latin typeface="Times New Roman" panose="02020603050405020304" pitchFamily="18" charset="0"/>
-                <a:cs typeface="Times New Roman" panose="02020603050405020304" pitchFamily="18" charset="0"/>
-              </a:rPr>
-              <a:t>NaI</a:t>
-            </a:r>
-            <a:r>
-              <a:rPr lang="en-US" dirty="0" smtClean="0">
-                <a:latin typeface="Times New Roman" panose="02020603050405020304" pitchFamily="18" charset="0"/>
-                <a:cs typeface="Times New Roman" panose="02020603050405020304" pitchFamily="18" charset="0"/>
-              </a:rPr>
-              <a:t> </a:t>
-            </a:r>
+              <a:t>перевірку коректності моделі.</a:t>
+            </a:r>
+          </a:p>
+          <a:p>
             <a:r>
               <a:rPr lang="uk-UA" dirty="0" smtClean="0">
                 <a:latin typeface="Times New Roman" panose="02020603050405020304" pitchFamily="18" charset="0"/>
                 <a:cs typeface="Times New Roman" panose="02020603050405020304" pitchFamily="18" charset="0"/>
               </a:rPr>
-              <a:t>і </a:t>
-            </a:r>
-            <a:r>
-              <a:rPr lang="en-US" dirty="0" err="1" smtClean="0">
-                <a:latin typeface="Times New Roman" panose="02020603050405020304" pitchFamily="18" charset="0"/>
-                <a:cs typeface="Times New Roman" panose="02020603050405020304" pitchFamily="18" charset="0"/>
-              </a:rPr>
-              <a:t>HPGe</a:t>
+              <a:t>Досліджено </a:t>
             </a:r>
             <a:r>
               <a:rPr lang="uk-UA" dirty="0" smtClean="0">
                 <a:latin typeface="Times New Roman" panose="02020603050405020304" pitchFamily="18" charset="0"/>
                 <a:cs typeface="Times New Roman" panose="02020603050405020304" pitchFamily="18" charset="0"/>
               </a:rPr>
-              <a:t>.</a:t>
-            </a:r>
-          </a:p>
-          <a:p>
+              <a:t>можливість </a:t>
+            </a:r>
             <a:r>
               <a:rPr lang="uk-UA" dirty="0" smtClean="0">
                 <a:latin typeface="Times New Roman" panose="02020603050405020304" pitchFamily="18" charset="0"/>
                 <a:cs typeface="Times New Roman" panose="02020603050405020304" pitchFamily="18" charset="0"/>
               </a:rPr>
-              <a:t>Досліджено можливість ідентифікації шкідливої речовини Фосгену 		  і гірчичного газу  </a:t>
-            </a:r>
+              <a:t>детектування </a:t>
+            </a:r>
+            <a:r>
+              <a:rPr lang="uk-UA" dirty="0" smtClean="0">
+                <a:latin typeface="Times New Roman" panose="02020603050405020304" pitchFamily="18" charset="0"/>
+                <a:cs typeface="Times New Roman" panose="02020603050405020304" pitchFamily="18" charset="0"/>
+              </a:rPr>
+              <a:t>шкідливої речовини Фосгену 		  і гірчичного газу  </a:t>
+            </a:r>
+            <a:endParaRPr lang="en-US" dirty="0" smtClean="0">
+              <a:latin typeface="Times New Roman" panose="02020603050405020304" pitchFamily="18" charset="0"/>
+              <a:cs typeface="Times New Roman" panose="02020603050405020304" pitchFamily="18" charset="0"/>
+            </a:endParaRPr>
+          </a:p>
+          <a:p>
+            <a:r>
+              <a:rPr lang="uk-UA" dirty="0" smtClean="0">
+                <a:latin typeface="Times New Roman" panose="02020603050405020304" pitchFamily="18" charset="0"/>
+                <a:cs typeface="Times New Roman" panose="02020603050405020304" pitchFamily="18" charset="0"/>
+              </a:rPr>
+              <a:t>На результуючих спектрах представленні енергетичні піки, які відповідають елементам, що входять до складу шкідливих речовин Фосгену і гірчичного газу. По даним елементам не можливо визначити, що за речовина була опромінення, а лише визначити можливих кандидатів речовин по їх елементному складу.</a:t>
+            </a:r>
+            <a:endParaRPr lang="uk-UA" dirty="0" smtClean="0">
+              <a:latin typeface="Times New Roman" panose="02020603050405020304" pitchFamily="18" charset="0"/>
+              <a:cs typeface="Times New Roman" panose="02020603050405020304" pitchFamily="18" charset="0"/>
+            </a:endParaRPr>
           </a:p>
           <a:p>
             <a:endParaRPr lang="uk-UA" dirty="0" smtClean="0">
@@ -10736,8 +10964,8 @@
         </p:blipFill>
         <p:spPr>
           <a:xfrm>
-            <a:off x="7955973" y="3836913"/>
-            <a:ext cx="808886" cy="338222"/>
+            <a:off x="7978275" y="4175133"/>
+            <a:ext cx="808886" cy="263052"/>
           </a:xfrm>
           <a:prstGeom prst="rect">
             <a:avLst/>
@@ -10766,8 +10994,8 @@
         </p:blipFill>
         <p:spPr>
           <a:xfrm>
-            <a:off x="10505261" y="3836912"/>
-            <a:ext cx="913587" cy="338221"/>
+            <a:off x="10494110" y="4175133"/>
+            <a:ext cx="913587" cy="263052"/>
           </a:xfrm>
           <a:prstGeom prst="rect">
             <a:avLst/>
